--- a/Poster/physics_poster_2_2018.pptx
+++ b/Poster/physics_poster_2_2018.pptx
@@ -214,7 +214,7 @@
           <a:p>
             <a:fld id="{F1C0B079-A316-4C9B-B165-DF9EA8325D2C}" type="datetimeFigureOut">
               <a:rPr lang="en-US" smtClean="0"/>
-              <a:t>4/6/2018</a:t>
+              <a:t>4/12/18</a:t>
             </a:fld>
             <a:endParaRPr lang="en-US"/>
           </a:p>
@@ -379,7 +379,7 @@
           <a:p>
             <a:fld id="{38F28AB8-57D1-494F-9851-055AD867E790}" type="datetimeFigureOut">
               <a:rPr lang="en-US" smtClean="0"/>
-              <a:t>4/6/2018</a:t>
+              <a:t>4/12/18</a:t>
             </a:fld>
             <a:endParaRPr lang="en-US"/>
           </a:p>
@@ -921,7 +921,7 @@
           <a:p>
             <a:fld id="{ECAA57DF-1C19-4726-AB84-014692BAD8F5}" type="datetimeFigureOut">
               <a:rPr lang="en-US" smtClean="0"/>
-              <a:t>4/6/2018</a:t>
+              <a:t>4/12/18</a:t>
             </a:fld>
             <a:endParaRPr lang="en-US"/>
           </a:p>
@@ -3575,7 +3575,7 @@
             <a:fld id="{ECAA57DF-1C19-4726-AB84-014692BAD8F5}" type="datetimeFigureOut">
               <a:rPr lang="en-US" smtClean="0"/>
               <a:pPr/>
-              <a:t>4/6/2018</a:t>
+              <a:t>4/12/18</a:t>
             </a:fld>
             <a:endParaRPr lang="en-US"/>
           </a:p>
@@ -4089,7 +4089,7 @@
         </p:nvSpPr>
         <p:spPr>
           <a:xfrm>
-            <a:off x="11941798" y="472286"/>
+            <a:off x="11886685" y="326810"/>
             <a:ext cx="25586702" cy="2519919"/>
           </a:xfrm>
         </p:spPr>
@@ -4144,8 +4144,8 @@
         </p:nvSpPr>
         <p:spPr>
           <a:xfrm>
-            <a:off x="13487400" y="2970980"/>
-            <a:ext cx="23141563" cy="1868355"/>
+            <a:off x="13384417" y="3405724"/>
+            <a:ext cx="23141563" cy="1598123"/>
           </a:xfrm>
         </p:spPr>
         <p:txBody>
@@ -4191,10 +4191,177 @@
                 <a:ea typeface="Palatino" charset="0"/>
                 <a:cs typeface="Palatino" charset="0"/>
               </a:rPr>
-              <a:t>S.Dolan</a:t>
+              <a:t>S</a:t>
+            </a:r>
+            <a:r>
+              <a:rPr lang="en-US" sz="3960" b="1" dirty="0" smtClean="0">
+                <a:solidFill>
+                  <a:srgbClr val="FFFF00"/>
+                </a:solidFill>
+                <a:latin typeface="Palatino" charset="0"/>
+                <a:ea typeface="Palatino" charset="0"/>
+                <a:cs typeface="Palatino" charset="0"/>
+              </a:rPr>
+              <a:t>. Dolan</a:t>
+            </a:r>
+            <a:r>
+              <a:rPr lang="en-US" sz="3960" b="1" baseline="30000" dirty="0" smtClean="0">
+                <a:solidFill>
+                  <a:srgbClr val="FFFF00"/>
+                </a:solidFill>
+                <a:latin typeface="Palatino" charset="0"/>
+                <a:ea typeface="Palatino" charset="0"/>
+                <a:cs typeface="Palatino" charset="0"/>
+              </a:rPr>
+              <a:t>1</a:t>
+            </a:r>
+            <a:r>
+              <a:rPr lang="en-US" sz="3960" b="1" dirty="0">
+                <a:solidFill>
+                  <a:srgbClr val="FFFF00"/>
+                </a:solidFill>
+                <a:latin typeface="Palatino" charset="0"/>
+                <a:ea typeface="Palatino" charset="0"/>
+                <a:cs typeface="Palatino" charset="0"/>
+              </a:rPr>
+              <a:t>, A</a:t>
+            </a:r>
+            <a:r>
+              <a:rPr lang="en-US" sz="3960" b="1" dirty="0" smtClean="0">
+                <a:solidFill>
+                  <a:srgbClr val="FFFF00"/>
+                </a:solidFill>
+                <a:latin typeface="Palatino" charset="0"/>
+                <a:ea typeface="Palatino" charset="0"/>
+                <a:cs typeface="Palatino" charset="0"/>
+              </a:rPr>
+              <a:t>. Duong</a:t>
+            </a:r>
+            <a:r>
+              <a:rPr lang="en-US" sz="3960" b="1" baseline="30000" dirty="0" smtClean="0">
+                <a:solidFill>
+                  <a:srgbClr val="FFFF00"/>
+                </a:solidFill>
+                <a:latin typeface="Palatino" charset="0"/>
+                <a:ea typeface="Palatino" charset="0"/>
+                <a:cs typeface="Palatino" charset="0"/>
+              </a:rPr>
+              <a:t>1</a:t>
+            </a:r>
+            <a:r>
+              <a:rPr lang="en-US" sz="3960" b="1" dirty="0">
+                <a:latin typeface="Palatino" charset="0"/>
+                <a:ea typeface="Palatino" charset="0"/>
+                <a:cs typeface="Palatino" charset="0"/>
+              </a:rPr>
+              <a:t>, L. </a:t>
+            </a:r>
+            <a:r>
+              <a:rPr lang="en-US" sz="3960" b="1" dirty="0" smtClean="0">
+                <a:latin typeface="Palatino" charset="0"/>
+                <a:ea typeface="Palatino" charset="0"/>
+                <a:cs typeface="Palatino" charset="0"/>
+              </a:rPr>
+              <a:t>Gamberg</a:t>
             </a:r>
             <a:r>
               <a:rPr lang="en-US" sz="3960" b="1" baseline="30000" dirty="0">
+                <a:latin typeface="Palatino" charset="0"/>
+                <a:ea typeface="Palatino" charset="0"/>
+                <a:cs typeface="Palatino" charset="0"/>
+              </a:rPr>
+              <a:t>1</a:t>
+            </a:r>
+            <a:r>
+              <a:rPr lang="en-US" sz="3960" b="1" dirty="0" smtClean="0">
+                <a:latin typeface="Palatino" charset="0"/>
+                <a:ea typeface="Palatino" charset="0"/>
+                <a:cs typeface="Palatino" charset="0"/>
+              </a:rPr>
+              <a:t>,</a:t>
+            </a:r>
+            <a:r>
+              <a:rPr lang="en-US" sz="3960" b="1" baseline="30000" dirty="0" smtClean="0">
+                <a:latin typeface="Palatino" charset="0"/>
+                <a:ea typeface="Palatino" charset="0"/>
+                <a:cs typeface="Palatino" charset="0"/>
+              </a:rPr>
+              <a:t> </a:t>
+            </a:r>
+            <a:r>
+              <a:rPr lang="en-US" sz="3960" b="1" dirty="0">
+                <a:latin typeface="Palatino" charset="0"/>
+                <a:ea typeface="Palatino" charset="0"/>
+                <a:cs typeface="Palatino" charset="0"/>
+              </a:rPr>
+              <a:t>D. </a:t>
+            </a:r>
+            <a:r>
+              <a:rPr lang="en-US" sz="3960" b="1" dirty="0" smtClean="0">
+                <a:latin typeface="Palatino" charset="0"/>
+                <a:ea typeface="Palatino" charset="0"/>
+                <a:cs typeface="Palatino" charset="0"/>
+              </a:rPr>
+              <a:t>Pitonyak</a:t>
+            </a:r>
+            <a:r>
+              <a:rPr lang="en-US" sz="3960" b="1" baseline="30000" dirty="0">
+                <a:latin typeface="Palatino" charset="0"/>
+                <a:ea typeface="Palatino" charset="0"/>
+                <a:cs typeface="Palatino" charset="0"/>
+              </a:rPr>
+              <a:t>1</a:t>
+            </a:r>
+            <a:r>
+              <a:rPr lang="en-US" sz="3960" b="1" dirty="0" smtClean="0">
+                <a:latin typeface="Palatino" charset="0"/>
+                <a:ea typeface="Palatino" charset="0"/>
+                <a:cs typeface="Palatino" charset="0"/>
+              </a:rPr>
+              <a:t>,</a:t>
+            </a:r>
+            <a:r>
+              <a:rPr lang="en-US" sz="3960" b="1" baseline="30000" dirty="0" smtClean="0">
+                <a:latin typeface="Palatino" charset="0"/>
+                <a:ea typeface="Palatino" charset="0"/>
+                <a:cs typeface="Palatino" charset="0"/>
+              </a:rPr>
+              <a:t> </a:t>
+            </a:r>
+            <a:r>
+              <a:rPr lang="en-US" sz="3960" b="1" dirty="0">
+                <a:latin typeface="Palatino" charset="0"/>
+                <a:ea typeface="Palatino" charset="0"/>
+                <a:cs typeface="Palatino" charset="0"/>
+              </a:rPr>
+              <a:t>A. </a:t>
+            </a:r>
+            <a:r>
+              <a:rPr lang="en-US" sz="3960" b="1" dirty="0" smtClean="0">
+                <a:latin typeface="Palatino" charset="0"/>
+                <a:ea typeface="Palatino" charset="0"/>
+                <a:cs typeface="Palatino" charset="0"/>
+              </a:rPr>
+              <a:t>Prokudin</a:t>
+            </a:r>
+            <a:r>
+              <a:rPr lang="en-US" sz="3960" b="1" baseline="30000" dirty="0" smtClean="0">
+                <a:latin typeface="Palatino" charset="0"/>
+                <a:ea typeface="Palatino" charset="0"/>
+                <a:cs typeface="Palatino" charset="0"/>
+              </a:rPr>
+              <a:t>1,2</a:t>
+            </a:r>
+            <a:r>
+              <a:rPr lang="en-US" sz="3960" b="1" dirty="0" smtClean="0">
+                <a:latin typeface="Palatino" charset="0"/>
+                <a:ea typeface="Palatino" charset="0"/>
+                <a:cs typeface="Palatino" charset="0"/>
+              </a:rPr>
+              <a:t>, </a:t>
+            </a:r>
+            <a:r>
+              <a:rPr lang="en-US" sz="3960" b="1" dirty="0">
                 <a:solidFill>
                   <a:srgbClr val="FFFF00"/>
                 </a:solidFill>
@@ -4202,6 +4369,28 @@
                 <a:ea typeface="Palatino" charset="0"/>
                 <a:cs typeface="Palatino" charset="0"/>
               </a:rPr>
+              <a:t>Z</a:t>
+            </a:r>
+            <a:r>
+              <a:rPr lang="en-US" sz="3960" b="1" dirty="0" smtClean="0">
+                <a:solidFill>
+                  <a:srgbClr val="FFFF00"/>
+                </a:solidFill>
+                <a:latin typeface="Palatino" charset="0"/>
+                <a:ea typeface="Palatino" charset="0"/>
+                <a:cs typeface="Palatino" charset="0"/>
+              </a:rPr>
+              <a:t>. Scalyer</a:t>
+            </a:r>
+            <a:r>
+              <a:rPr lang="en-US" sz="3960" b="1" baseline="30000" dirty="0" smtClean="0">
+                <a:solidFill>
+                  <a:srgbClr val="FFFF00"/>
+                </a:solidFill>
+                <a:latin typeface="Palatino" charset="0"/>
+                <a:ea typeface="Palatino" charset="0"/>
+                <a:cs typeface="Palatino" charset="0"/>
+              </a:rPr>
               <a:t>1</a:t>
             </a:r>
             <a:r>
@@ -4213,10 +4402,10 @@
                 <a:ea typeface="Palatino" charset="0"/>
                 <a:cs typeface="Palatino" charset="0"/>
               </a:rPr>
-              <a:t>, A.Duong</a:t>
-            </a:r>
-            <a:r>
-              <a:rPr lang="en-US" sz="3960" b="1" baseline="30000" dirty="0">
+              <a:t>, D</a:t>
+            </a:r>
+            <a:r>
+              <a:rPr lang="en-US" sz="3960" b="1" dirty="0" smtClean="0">
                 <a:solidFill>
                   <a:srgbClr val="FFFF00"/>
                 </a:solidFill>
@@ -4224,131 +4413,10 @@
                 <a:ea typeface="Palatino" charset="0"/>
                 <a:cs typeface="Palatino" charset="0"/>
               </a:rPr>
-              <a:t>1</a:t>
-            </a:r>
-            <a:r>
-              <a:rPr lang="en-US" sz="3960" b="1" dirty="0">
-                <a:latin typeface="Palatino" charset="0"/>
-                <a:ea typeface="Palatino" charset="0"/>
-                <a:cs typeface="Palatino" charset="0"/>
-              </a:rPr>
-              <a:t>, L. Gamberg</a:t>
-            </a:r>
-            <a:r>
-              <a:rPr lang="en-US" sz="3960" b="1" baseline="30000" dirty="0">
-                <a:latin typeface="Palatino" charset="0"/>
-                <a:ea typeface="Palatino" charset="0"/>
-                <a:cs typeface="Palatino" charset="0"/>
-              </a:rPr>
-              <a:t>2</a:t>
-            </a:r>
-            <a:r>
-              <a:rPr lang="en-US" sz="3960" b="1" dirty="0">
-                <a:latin typeface="Palatino" charset="0"/>
-                <a:ea typeface="Palatino" charset="0"/>
-                <a:cs typeface="Palatino" charset="0"/>
-              </a:rPr>
-              <a:t>,</a:t>
-            </a:r>
-            <a:r>
-              <a:rPr lang="en-US" sz="3960" b="1" baseline="30000" dirty="0">
-                <a:latin typeface="Palatino" charset="0"/>
-                <a:ea typeface="Palatino" charset="0"/>
-                <a:cs typeface="Palatino" charset="0"/>
-              </a:rPr>
-              <a:t> </a:t>
-            </a:r>
-            <a:r>
-              <a:rPr lang="en-US" sz="3960" b="1" dirty="0">
-                <a:latin typeface="Palatino" charset="0"/>
-                <a:ea typeface="Palatino" charset="0"/>
-                <a:cs typeface="Palatino" charset="0"/>
-              </a:rPr>
-              <a:t>D. Pitonyak</a:t>
-            </a:r>
-            <a:r>
-              <a:rPr lang="en-US" sz="3960" b="1" baseline="30000" dirty="0">
-                <a:latin typeface="Palatino" charset="0"/>
-                <a:ea typeface="Palatino" charset="0"/>
-                <a:cs typeface="Palatino" charset="0"/>
-              </a:rPr>
-              <a:t>2</a:t>
-            </a:r>
-            <a:r>
-              <a:rPr lang="en-US" sz="3960" b="1" dirty="0">
-                <a:latin typeface="Palatino" charset="0"/>
-                <a:ea typeface="Palatino" charset="0"/>
-                <a:cs typeface="Palatino" charset="0"/>
-              </a:rPr>
-              <a:t>,</a:t>
-            </a:r>
-            <a:r>
-              <a:rPr lang="en-US" sz="3960" b="1" baseline="30000" dirty="0">
-                <a:latin typeface="Palatino" charset="0"/>
-                <a:ea typeface="Palatino" charset="0"/>
-                <a:cs typeface="Palatino" charset="0"/>
-              </a:rPr>
-              <a:t> </a:t>
-            </a:r>
-            <a:r>
-              <a:rPr lang="en-US" sz="3960" b="1" dirty="0">
-                <a:latin typeface="Palatino" charset="0"/>
-                <a:ea typeface="Palatino" charset="0"/>
-                <a:cs typeface="Palatino" charset="0"/>
-              </a:rPr>
-              <a:t>A. Prokudin</a:t>
-            </a:r>
-            <a:r>
-              <a:rPr lang="en-US" sz="3960" b="1" baseline="30000" dirty="0">
-                <a:latin typeface="Palatino" charset="0"/>
-                <a:ea typeface="Palatino" charset="0"/>
-                <a:cs typeface="Palatino" charset="0"/>
-              </a:rPr>
-              <a:t>2,3</a:t>
-            </a:r>
-            <a:r>
-              <a:rPr lang="en-US" sz="3960" b="1" dirty="0">
-                <a:latin typeface="Palatino" charset="0"/>
-                <a:ea typeface="Palatino" charset="0"/>
-                <a:cs typeface="Palatino" charset="0"/>
-              </a:rPr>
-              <a:t>, </a:t>
-            </a:r>
-            <a:r>
-              <a:rPr lang="en-US" sz="3960" b="1" dirty="0">
-                <a:solidFill>
-                  <a:srgbClr val="FFFF00"/>
-                </a:solidFill>
-                <a:latin typeface="Palatino" charset="0"/>
-                <a:ea typeface="Palatino" charset="0"/>
-                <a:cs typeface="Palatino" charset="0"/>
-              </a:rPr>
-              <a:t>Z.Scalyer</a:t>
-            </a:r>
-            <a:r>
-              <a:rPr lang="en-US" sz="3960" b="1" baseline="30000" dirty="0">
-                <a:solidFill>
-                  <a:srgbClr val="FFFF00"/>
-                </a:solidFill>
-                <a:latin typeface="Palatino" charset="0"/>
-                <a:ea typeface="Palatino" charset="0"/>
-                <a:cs typeface="Palatino" charset="0"/>
-              </a:rPr>
-              <a:t>1</a:t>
-            </a:r>
-            <a:r>
-              <a:rPr lang="en-US" sz="3960" b="1" dirty="0">
-                <a:solidFill>
-                  <a:srgbClr val="FFFF00"/>
-                </a:solidFill>
-                <a:latin typeface="Palatino" charset="0"/>
-                <a:ea typeface="Palatino" charset="0"/>
-                <a:cs typeface="Palatino" charset="0"/>
-              </a:rPr>
-              <a:t>, D.Xu</a:t>
-            </a:r>
-            <a:r>
-              <a:rPr lang="en-US" sz="3960" b="1" baseline="30000" dirty="0">
+              <a:t>. Xu</a:t>
+            </a:r>
+            <a:r>
+              <a:rPr lang="en-US" sz="3960" b="1" baseline="30000" dirty="0" smtClean="0">
                 <a:solidFill>
                   <a:srgbClr val="FFFF00"/>
                 </a:solidFill>
@@ -4375,7 +4443,15 @@
                 <a:ea typeface="Palatino" charset="0"/>
                 <a:cs typeface="Palatino" charset="0"/>
               </a:rPr>
-              <a:t>1 </a:t>
+              <a:t>1</a:t>
+            </a:r>
+            <a:r>
+              <a:rPr lang="en-US" sz="2520" b="1" dirty="0" smtClean="0">
+                <a:latin typeface="Palatino" charset="0"/>
+                <a:ea typeface="Palatino" charset="0"/>
+                <a:cs typeface="Palatino" charset="0"/>
+              </a:rPr>
+              <a:t> </a:t>
             </a:r>
             <a:r>
               <a:rPr lang="en-US" sz="2520" b="1" dirty="0">
@@ -4383,7 +4459,7 @@
                 <a:ea typeface="Palatino" charset="0"/>
                 <a:cs typeface="Palatino" charset="0"/>
               </a:rPr>
-              <a:t>Division of Science, Penn State University </a:t>
+              <a:t>Division of Science, Penn State University Berks</a:t>
             </a:r>
           </a:p>
           <a:p>
@@ -4397,31 +4473,20 @@
               <a:t>2</a:t>
             </a:r>
             <a:r>
+              <a:rPr lang="en-US" sz="2520" b="1" dirty="0" smtClean="0">
+                <a:latin typeface="Palatino" charset="0"/>
+                <a:ea typeface="Palatino" charset="0"/>
+                <a:cs typeface="Palatino" charset="0"/>
+              </a:rPr>
+              <a:t> </a:t>
+            </a:r>
+            <a:r>
               <a:rPr lang="en-US" sz="2520" b="1" dirty="0">
                 <a:latin typeface="Palatino" charset="0"/>
                 <a:ea typeface="Palatino" charset="0"/>
                 <a:cs typeface="Palatino" charset="0"/>
               </a:rPr>
-              <a:t> Division of Science, Penn State University Berks</a:t>
-            </a:r>
-          </a:p>
-          <a:p>
-            <a:pPr algn="ctr"/>
-            <a:r>
-              <a:rPr lang="en-US" sz="2520" b="1" baseline="30000" dirty="0">
-                <a:latin typeface="Palatino" charset="0"/>
-                <a:ea typeface="Palatino" charset="0"/>
-                <a:cs typeface="Palatino" charset="0"/>
-              </a:rPr>
-              <a:t>3</a:t>
-            </a:r>
-            <a:r>
-              <a:rPr lang="en-US" sz="2520" b="1" dirty="0">
-                <a:latin typeface="Palatino" charset="0"/>
-                <a:ea typeface="Palatino" charset="0"/>
-                <a:cs typeface="Palatino" charset="0"/>
-              </a:rPr>
-              <a:t> Theory Center, Jefferson Lab, Newport News</a:t>
+              <a:t>Theory Center, Jefferson Lab, Newport News</a:t>
             </a:r>
           </a:p>
           <a:p>
@@ -4933,7 +4998,7 @@
         </p:nvSpPr>
         <p:spPr>
           <a:xfrm>
-            <a:off x="15544798" y="6121272"/>
+            <a:off x="15564695" y="6132191"/>
             <a:ext cx="12923039" cy="14826810"/>
           </a:xfrm>
           <a:solidFill>
@@ -4944,7 +5009,7 @@
         </p:spPr>
         <p:txBody>
           <a:bodyPr>
-            <a:normAutofit lnSpcReduction="10000"/>
+            <a:normAutofit/>
           </a:bodyPr>
           <a:lstStyle/>
           <a:p>
@@ -5127,20 +5192,49 @@
                 <a:ea typeface="Palatino" charset="0"/>
                 <a:cs typeface="Palatino" charset="0"/>
               </a:rPr>
-              <a:t> distribution and fragmentation functions for a particular quark type , and                  are parameters that characterize the widths of TMD distributions. These widths can be quark flavor dependent and therefore depend on a particular fragmentation channel. </a:t>
-            </a:r>
+              <a:t> distribution and fragmentation functions for a particular quark type , and                  are parameters that characterize the widths of TMD distributions. </a:t>
+            </a:r>
+            <a:r>
+              <a:rPr lang="en-US" sz="3200" dirty="0" smtClean="0">
+                <a:latin typeface="Palatino" charset="0"/>
+                <a:ea typeface="Palatino" charset="0"/>
+                <a:cs typeface="Palatino" charset="0"/>
+              </a:rPr>
+              <a:t>In </a:t>
+            </a:r>
+            <a:r>
+              <a:rPr lang="en-US" sz="3200" dirty="0">
+                <a:latin typeface="Palatino" charset="0"/>
+                <a:ea typeface="Palatino" charset="0"/>
+                <a:cs typeface="Palatino" charset="0"/>
+              </a:rPr>
+              <a:t>our description of HERMES data, we use 5 parameters to describe the widths: </a:t>
+            </a:r>
+            <a:endParaRPr lang="en-US" sz="3200" dirty="0" smtClean="0">
+              <a:latin typeface="Palatino" charset="0"/>
+              <a:ea typeface="Palatino" charset="0"/>
+              <a:cs typeface="Palatino" charset="0"/>
+            </a:endParaRPr>
           </a:p>
           <a:p>
             <a:pPr marL="0" indent="0">
               <a:buNone/>
             </a:pPr>
             <a:r>
+              <a:rPr lang="en-US" sz="3200" dirty="0" smtClean="0">
+                <a:latin typeface="Palatino" charset="0"/>
+                <a:ea typeface="Palatino" charset="0"/>
+                <a:cs typeface="Palatino" charset="0"/>
+              </a:rPr>
+              <a:t>                                                                     </a:t>
+            </a:r>
+            <a:r>
               <a:rPr lang="en-US" sz="3200" dirty="0">
                 <a:latin typeface="Palatino" charset="0"/>
                 <a:ea typeface="Palatino" charset="0"/>
                 <a:cs typeface="Palatino" charset="0"/>
               </a:rPr>
-              <a:t>In our description of HERMES data, we use 5 parameters to describe the widths:                                                                      , which correspond, respectively, to a width for an up quark in the proton, down quark in the proton, a universal width for all sea quarks in the proton, and two widths for the favored (e.g.,                )  and </a:t>
+              <a:t>, which correspond, respectively, to a width for an up quark in the proton, down quark in the proton, a universal width for all sea quarks in the proton, and two widths for the favored (e.g.,                )  and </a:t>
             </a:r>
             <a:r>
               <a:rPr lang="en-US" sz="3200" dirty="0" err="1">
@@ -5156,7 +5250,33 @@
                 <a:ea typeface="Palatino" charset="0"/>
                 <a:cs typeface="Palatino" charset="0"/>
               </a:rPr>
-              <a:t> (e.g.,               ) fragmentation.</a:t>
+              <a:t> </a:t>
+            </a:r>
+            <a:endParaRPr lang="en-US" sz="3200" dirty="0" smtClean="0">
+              <a:latin typeface="Palatino" charset="0"/>
+              <a:ea typeface="Palatino" charset="0"/>
+              <a:cs typeface="Palatino" charset="0"/>
+            </a:endParaRPr>
+          </a:p>
+          <a:p>
+            <a:pPr marL="0" indent="0">
+              <a:buNone/>
+            </a:pPr>
+            <a:r>
+              <a:rPr lang="en-US" sz="3200" dirty="0" smtClean="0">
+                <a:latin typeface="Palatino" charset="0"/>
+                <a:ea typeface="Palatino" charset="0"/>
+                <a:cs typeface="Palatino" charset="0"/>
+              </a:rPr>
+              <a:t>(</a:t>
+            </a:r>
+            <a:r>
+              <a:rPr lang="en-US" sz="3200" dirty="0">
+                <a:latin typeface="Palatino" charset="0"/>
+                <a:ea typeface="Palatino" charset="0"/>
+                <a:cs typeface="Palatino" charset="0"/>
+              </a:rPr>
+              <a:t>e.g.,               ) fragmentation.</a:t>
             </a:r>
           </a:p>
           <a:p>
@@ -5196,23 +5316,21 @@
             <a:pPr marL="0" indent="0">
               <a:buNone/>
             </a:pPr>
-            <a:endParaRPr lang="en-US" sz="3200" dirty="0">
-              <a:latin typeface="Palatino" charset="0"/>
-              <a:ea typeface="Palatino" charset="0"/>
-              <a:cs typeface="Palatino" charset="0"/>
-            </a:endParaRPr>
-          </a:p>
-          <a:p>
-            <a:pPr marL="0" indent="0">
-              <a:buNone/>
-            </a:pPr>
+            <a:r>
+              <a:rPr lang="en-US" sz="3200" dirty="0" smtClean="0">
+                <a:latin typeface="Palatino" charset="0"/>
+                <a:ea typeface="Palatino" charset="0"/>
+                <a:cs typeface="Palatino" charset="0"/>
+              </a:rPr>
+              <a:t>where                                         </a:t>
+            </a:r>
             <a:r>
               <a:rPr lang="en-US" sz="3200" dirty="0">
                 <a:latin typeface="Palatino" charset="0"/>
                 <a:ea typeface="Palatino" charset="0"/>
                 <a:cs typeface="Palatino" charset="0"/>
               </a:rPr>
-              <a:t>where                                         and </a:t>
+              <a:t>and </a:t>
             </a:r>
             <a:r>
               <a:rPr lang="en-US" sz="3200" i="1" dirty="0">
@@ -5273,7 +5391,7 @@
         </p:blipFill>
         <p:spPr>
           <a:xfrm>
-            <a:off x="17359252" y="11570522"/>
+            <a:off x="17078884" y="12155395"/>
             <a:ext cx="4074638" cy="983184"/>
           </a:xfrm>
           <a:prstGeom prst="rect">
@@ -5297,7 +5415,7 @@
         </p:blipFill>
         <p:spPr>
           <a:xfrm>
-            <a:off x="22037804" y="11552249"/>
+            <a:off x="22052868" y="12068565"/>
             <a:ext cx="4484298" cy="1050669"/>
           </a:xfrm>
           <a:prstGeom prst="rect">
@@ -5341,7 +5459,7 @@
         </p:nvSpPr>
         <p:spPr>
           <a:xfrm>
-            <a:off x="15605517" y="20296513"/>
+            <a:off x="15707613" y="20257889"/>
             <a:ext cx="12801600" cy="804899"/>
           </a:xfrm>
         </p:spPr>
@@ -5684,7 +5802,7 @@
         </p:nvSpPr>
         <p:spPr>
           <a:xfrm>
-            <a:off x="29718000" y="5486400"/>
+            <a:off x="29588663" y="17579424"/>
             <a:ext cx="12801600" cy="804899"/>
           </a:xfrm>
         </p:spPr>
@@ -5913,7 +6031,35 @@
                 <a:latin typeface="Palatino"/>
                 <a:cs typeface="Palatino"/>
               </a:rPr>
-              <a:t>The data used in this analysis is from the HERMES Collaboration.  The experiment scattered 27.6 </a:t>
+              <a:t>The data used in this analysis is from </a:t>
+            </a:r>
+            <a:r>
+              <a:rPr lang="en-US" sz="3200">
+                <a:latin typeface="Palatino"/>
+                <a:cs typeface="Palatino"/>
+              </a:rPr>
+              <a:t>the </a:t>
+            </a:r>
+            <a:r>
+              <a:rPr lang="en-US" sz="3200" dirty="0" err="1">
+                <a:latin typeface="Palatino"/>
+                <a:cs typeface="Palatino"/>
+              </a:rPr>
+              <a:t>J</a:t>
+            </a:r>
+            <a:r>
+              <a:rPr lang="en-US" sz="3200" smtClean="0">
+                <a:latin typeface="Palatino"/>
+                <a:cs typeface="Palatino"/>
+              </a:rPr>
+              <a:t>efferson Lab.  </a:t>
+            </a:r>
+            <a:r>
+              <a:rPr lang="en-US" sz="3200" dirty="0">
+                <a:latin typeface="Palatino"/>
+                <a:cs typeface="Palatino"/>
+              </a:rPr>
+              <a:t>The experiment scattered 27.6 </a:t>
             </a:r>
             <a:r>
               <a:rPr lang="en-US" sz="3200" dirty="0" err="1">
@@ -6153,9 +6299,62 @@
           </a:p>
         </p:txBody>
       </p:sp>
+      <p:sp>
+        <p:nvSpPr>
+          <p:cNvPr id="55" name="TextBox 54"/>
+          <p:cNvSpPr txBox="1"/>
+          <p:nvPr/>
+        </p:nvSpPr>
+        <p:spPr>
+          <a:xfrm>
+            <a:off x="1672147" y="30775344"/>
+            <a:ext cx="11493361" cy="954107"/>
+          </a:xfrm>
+          <a:prstGeom prst="rect">
+            <a:avLst/>
+          </a:prstGeom>
+          <a:noFill/>
+        </p:spPr>
+        <p:txBody>
+          <a:bodyPr wrap="square" rtlCol="0">
+            <a:spAutoFit/>
+          </a:bodyPr>
+          <a:lstStyle/>
+          <a:p>
+            <a:r>
+              <a:rPr lang="en-US" sz="2800" dirty="0">
+                <a:latin typeface="Palatino"/>
+                <a:cs typeface="Palatino"/>
+              </a:rPr>
+              <a:t>Figure 2: HERMES multiplicity data as a function of </a:t>
+            </a:r>
+            <a:r>
+              <a:rPr lang="en-US" sz="2800" i="1" dirty="0" err="1">
+                <a:latin typeface="Palatino"/>
+                <a:cs typeface="Palatino"/>
+              </a:rPr>
+              <a:t>P</a:t>
+            </a:r>
+            <a:r>
+              <a:rPr lang="en-US" sz="2800" i="1" baseline="-25000" dirty="0" err="1">
+                <a:latin typeface="Palatino"/>
+                <a:cs typeface="Palatino"/>
+              </a:rPr>
+              <a:t>hT</a:t>
+            </a:r>
+            <a:r>
+              <a:rPr lang="en-US" sz="2800" dirty="0">
+                <a:latin typeface="Palatino"/>
+                <a:cs typeface="Palatino"/>
+              </a:rPr>
+              <a:t>.  Plots are from Ref. [1]</a:t>
+            </a:r>
+          </a:p>
+        </p:txBody>
+      </p:sp>
       <p:pic>
         <p:nvPicPr>
-          <p:cNvPr id="97" name="Picture 96" descr="HERMES_Mult_2.jpeg"/>
+          <p:cNvPr id="61" name="Picture 60" descr="latex-image-1.pdf"/>
           <p:cNvPicPr>
             <a:picLocks noChangeAspect="1"/>
           </p:cNvPicPr>
@@ -6175,158 +6374,17 @@
         </p:blipFill>
         <p:spPr>
           <a:xfrm>
-            <a:off x="1817665" y="28574081"/>
-            <a:ext cx="12116546" cy="2455255"/>
+            <a:off x="2772799" y="25742051"/>
+            <a:ext cx="9990547" cy="1141162"/>
           </a:xfrm>
           <a:prstGeom prst="rect">
             <a:avLst/>
           </a:prstGeom>
         </p:spPr>
       </p:pic>
-      <p:sp>
-        <p:nvSpPr>
-          <p:cNvPr id="53" name="TextBox 52"/>
-          <p:cNvSpPr txBox="1"/>
-          <p:nvPr/>
-        </p:nvSpPr>
-        <p:spPr>
-          <a:xfrm rot="16200000">
-            <a:off x="296328" y="28679912"/>
-            <a:ext cx="2518803" cy="461665"/>
-          </a:xfrm>
-          <a:prstGeom prst="rect">
-            <a:avLst/>
-          </a:prstGeom>
-          <a:noFill/>
-        </p:spPr>
-        <p:txBody>
-          <a:bodyPr wrap="square" rtlCol="0">
-            <a:spAutoFit/>
-          </a:bodyPr>
-          <a:lstStyle/>
-          <a:p>
-            <a:r>
-              <a:rPr lang="en-US" sz="2400" b="1" dirty="0"/>
-              <a:t>Multiplicity</a:t>
-            </a:r>
-          </a:p>
-        </p:txBody>
-      </p:sp>
-      <p:sp>
-        <p:nvSpPr>
-          <p:cNvPr id="54" name="TextBox 53"/>
-          <p:cNvSpPr txBox="1"/>
-          <p:nvPr/>
-        </p:nvSpPr>
-        <p:spPr>
-          <a:xfrm>
-            <a:off x="10710203" y="28171927"/>
-            <a:ext cx="1248818" cy="461665"/>
-          </a:xfrm>
-          <a:prstGeom prst="rect">
-            <a:avLst/>
-          </a:prstGeom>
-          <a:noFill/>
-        </p:spPr>
-        <p:txBody>
-          <a:bodyPr wrap="square" rtlCol="0">
-            <a:spAutoFit/>
-          </a:bodyPr>
-          <a:lstStyle/>
-          <a:p>
-            <a:r>
-              <a:rPr lang="en-US" sz="2400" b="1" dirty="0" err="1"/>
-              <a:t>kaon</a:t>
-            </a:r>
-            <a:endParaRPr lang="en-US" sz="2400" b="1" dirty="0"/>
-          </a:p>
-        </p:txBody>
-      </p:sp>
-      <p:sp>
-        <p:nvSpPr>
-          <p:cNvPr id="98" name="TextBox 97"/>
-          <p:cNvSpPr txBox="1"/>
-          <p:nvPr/>
-        </p:nvSpPr>
-        <p:spPr>
-          <a:xfrm>
-            <a:off x="4550780" y="28150761"/>
-            <a:ext cx="1248818" cy="461665"/>
-          </a:xfrm>
-          <a:prstGeom prst="rect">
-            <a:avLst/>
-          </a:prstGeom>
-          <a:noFill/>
-        </p:spPr>
-        <p:txBody>
-          <a:bodyPr wrap="square" rtlCol="0">
-            <a:spAutoFit/>
-          </a:bodyPr>
-          <a:lstStyle/>
-          <a:p>
-            <a:r>
-              <a:rPr lang="en-US" sz="2400" b="1" dirty="0"/>
-              <a:t>pion</a:t>
-            </a:r>
-          </a:p>
-        </p:txBody>
-      </p:sp>
-      <p:sp>
-        <p:nvSpPr>
-          <p:cNvPr id="55" name="TextBox 54"/>
-          <p:cNvSpPr txBox="1"/>
-          <p:nvPr/>
-        </p:nvSpPr>
-        <p:spPr>
-          <a:xfrm>
-            <a:off x="1672147" y="30775344"/>
-            <a:ext cx="11493361" cy="954107"/>
-          </a:xfrm>
-          <a:prstGeom prst="rect">
-            <a:avLst/>
-          </a:prstGeom>
-          <a:noFill/>
-        </p:spPr>
-        <p:txBody>
-          <a:bodyPr wrap="square" rtlCol="0">
-            <a:spAutoFit/>
-          </a:bodyPr>
-          <a:lstStyle/>
-          <a:p>
-            <a:r>
-              <a:rPr lang="en-US" sz="2800" dirty="0">
-                <a:latin typeface="Palatino"/>
-                <a:cs typeface="Palatino"/>
-              </a:rPr>
-              <a:t>Figure 2: HERMES multiplicity data as a function of </a:t>
-            </a:r>
-            <a:r>
-              <a:rPr lang="en-US" sz="2800" i="1" dirty="0" err="1">
-                <a:latin typeface="Palatino"/>
-                <a:cs typeface="Palatino"/>
-              </a:rPr>
-              <a:t>P</a:t>
-            </a:r>
-            <a:r>
-              <a:rPr lang="en-US" sz="2800" i="1" baseline="-25000" dirty="0" err="1">
-                <a:latin typeface="Palatino"/>
-                <a:cs typeface="Palatino"/>
-              </a:rPr>
-              <a:t>hT</a:t>
-            </a:r>
-            <a:r>
-              <a:rPr lang="en-US" sz="2800" dirty="0">
-                <a:latin typeface="Palatino"/>
-                <a:cs typeface="Palatino"/>
-              </a:rPr>
-              <a:t>.  Plots are from Ref. [1]</a:t>
-            </a:r>
-          </a:p>
-        </p:txBody>
-      </p:sp>
       <p:pic>
         <p:nvPicPr>
-          <p:cNvPr id="61" name="Picture 60" descr="latex-image-1.pdf"/>
+          <p:cNvPr id="62" name="Picture 61" descr="latex-image-1.pdf"/>
           <p:cNvPicPr>
             <a:picLocks noChangeAspect="1"/>
           </p:cNvPicPr>
@@ -6346,8 +6404,8 @@
         </p:blipFill>
         <p:spPr>
           <a:xfrm>
-            <a:off x="2772799" y="25742051"/>
-            <a:ext cx="9990547" cy="1141162"/>
+            <a:off x="21919918" y="6322272"/>
+            <a:ext cx="2760118" cy="475483"/>
           </a:xfrm>
           <a:prstGeom prst="rect">
             <a:avLst/>
@@ -6356,7 +6414,7 @@
       </p:pic>
       <p:pic>
         <p:nvPicPr>
-          <p:cNvPr id="62" name="Picture 61" descr="latex-image-1.pdf"/>
+          <p:cNvPr id="64" name="Picture 63" descr="latex-image-1.pdf"/>
           <p:cNvPicPr>
             <a:picLocks noChangeAspect="1"/>
           </p:cNvPicPr>
@@ -6376,8 +6434,8 @@
         </p:blipFill>
         <p:spPr>
           <a:xfrm>
-            <a:off x="21919918" y="6322272"/>
-            <a:ext cx="2760118" cy="475483"/>
+            <a:off x="15893838" y="6830255"/>
+            <a:ext cx="2986600" cy="476461"/>
           </a:xfrm>
           <a:prstGeom prst="rect">
             <a:avLst/>
@@ -6386,7 +6444,7 @@
       </p:pic>
       <p:pic>
         <p:nvPicPr>
-          <p:cNvPr id="64" name="Picture 63" descr="latex-image-1.pdf"/>
+          <p:cNvPr id="71" name="Picture 70" descr="latex-image-1.pdf"/>
           <p:cNvPicPr>
             <a:picLocks noChangeAspect="1"/>
           </p:cNvPicPr>
@@ -6406,8 +6464,8 @@
         </p:blipFill>
         <p:spPr>
           <a:xfrm>
-            <a:off x="15893838" y="6830255"/>
-            <a:ext cx="2986600" cy="476461"/>
+            <a:off x="17151544" y="13358728"/>
+            <a:ext cx="1595959" cy="373737"/>
           </a:xfrm>
           <a:prstGeom prst="rect">
             <a:avLst/>
@@ -6416,7 +6474,7 @@
       </p:pic>
       <p:pic>
         <p:nvPicPr>
-          <p:cNvPr id="71" name="Picture 70" descr="latex-image-1.pdf"/>
+          <p:cNvPr id="99" name="Picture 98" descr="latex-image-1.pdf"/>
           <p:cNvPicPr>
             <a:picLocks noChangeAspect="1"/>
           </p:cNvPicPr>
@@ -6436,8 +6494,8 @@
         </p:blipFill>
         <p:spPr>
           <a:xfrm>
-            <a:off x="17136315" y="12647497"/>
-            <a:ext cx="1595959" cy="373737"/>
+            <a:off x="23543513" y="13795098"/>
+            <a:ext cx="1554338" cy="408512"/>
           </a:xfrm>
           <a:prstGeom prst="rect">
             <a:avLst/>
@@ -6446,7 +6504,7 @@
       </p:pic>
       <p:pic>
         <p:nvPicPr>
-          <p:cNvPr id="99" name="Picture 98" descr="latex-image-1.pdf"/>
+          <p:cNvPr id="100" name="Picture 99" descr="latex-image-1.pdf"/>
           <p:cNvPicPr>
             <a:picLocks noChangeAspect="1"/>
           </p:cNvPicPr>
@@ -6466,8 +6524,8 @@
         </p:blipFill>
         <p:spPr>
           <a:xfrm>
-            <a:off x="23583605" y="13066583"/>
-            <a:ext cx="1554338" cy="408512"/>
+            <a:off x="15989181" y="15297338"/>
+            <a:ext cx="6900298" cy="463613"/>
           </a:xfrm>
           <a:prstGeom prst="rect">
             <a:avLst/>
@@ -6476,7 +6534,7 @@
       </p:pic>
       <p:pic>
         <p:nvPicPr>
-          <p:cNvPr id="100" name="Picture 99" descr="latex-image-1.pdf"/>
+          <p:cNvPr id="101" name="Picture 100" descr="latex-image-1.pdf"/>
           <p:cNvPicPr>
             <a:picLocks noChangeAspect="1"/>
           </p:cNvPicPr>
@@ -6496,8 +6554,8 @@
         </p:blipFill>
         <p:spPr>
           <a:xfrm>
-            <a:off x="18054901" y="15318466"/>
-            <a:ext cx="6900298" cy="463613"/>
+            <a:off x="21834641" y="16730343"/>
+            <a:ext cx="1498600" cy="406400"/>
           </a:xfrm>
           <a:prstGeom prst="rect">
             <a:avLst/>
@@ -6506,7 +6564,7 @@
       </p:pic>
       <p:pic>
         <p:nvPicPr>
-          <p:cNvPr id="101" name="Picture 100" descr="latex-image-1.pdf"/>
+          <p:cNvPr id="102" name="Picture 101" descr="latex-image-1.pdf"/>
           <p:cNvPicPr>
             <a:picLocks noChangeAspect="1"/>
           </p:cNvPicPr>
@@ -6526,8 +6584,8 @@
         </p:blipFill>
         <p:spPr>
           <a:xfrm>
-            <a:off x="23951863" y="16609693"/>
-            <a:ext cx="1498600" cy="406400"/>
+            <a:off x="16793745" y="17385235"/>
+            <a:ext cx="1498600" cy="304800"/>
           </a:xfrm>
           <a:prstGeom prst="rect">
             <a:avLst/>
@@ -6536,7 +6594,7 @@
       </p:pic>
       <p:pic>
         <p:nvPicPr>
-          <p:cNvPr id="102" name="Picture 101" descr="latex-image-1.pdf"/>
+          <p:cNvPr id="104" name="Picture 103" descr="latex-image-1.pdf"/>
           <p:cNvPicPr>
             <a:picLocks noChangeAspect="1"/>
           </p:cNvPicPr>
@@ -6556,8 +6614,8 @@
         </p:blipFill>
         <p:spPr>
           <a:xfrm>
-            <a:off x="18787295" y="17178311"/>
-            <a:ext cx="1498600" cy="304800"/>
+            <a:off x="15893838" y="18339118"/>
+            <a:ext cx="11734744" cy="1048502"/>
           </a:xfrm>
           <a:prstGeom prst="rect">
             <a:avLst/>
@@ -6566,7 +6624,7 @@
       </p:pic>
       <p:pic>
         <p:nvPicPr>
-          <p:cNvPr id="104" name="Picture 103" descr="latex-image-1.pdf"/>
+          <p:cNvPr id="108" name="Picture 107" descr="latex-image-1.pdf"/>
           <p:cNvPicPr>
             <a:picLocks noChangeAspect="1"/>
           </p:cNvPicPr>
@@ -6586,8 +6644,8 @@
         </p:blipFill>
         <p:spPr>
           <a:xfrm>
-            <a:off x="15845090" y="18194852"/>
-            <a:ext cx="11734744" cy="1048502"/>
+            <a:off x="17212251" y="19658448"/>
+            <a:ext cx="3873484" cy="387348"/>
           </a:xfrm>
           <a:prstGeom prst="rect">
             <a:avLst/>
@@ -6596,37 +6654,215 @@
       </p:pic>
       <p:pic>
         <p:nvPicPr>
-          <p:cNvPr id="108" name="Picture 107" descr="latex-image-1.pdf"/>
+          <p:cNvPr id="46" name="Picture 45"/>
           <p:cNvPicPr>
             <a:picLocks noChangeAspect="1"/>
           </p:cNvPicPr>
           <p:nvPr/>
         </p:nvPicPr>
         <p:blipFill>
-          <a:blip r:embed="rId22">
-            <a:extLst>
-              <a:ext uri="{28A0092B-C50C-407E-A947-70E740481C1C}">
-                <a14:useLocalDpi xmlns:a14="http://schemas.microsoft.com/office/drawing/2010/main" val="0"/>
-              </a:ext>
-            </a:extLst>
-          </a:blip>
+          <a:blip r:embed="rId22"/>
           <a:stretch>
             <a:fillRect/>
           </a:stretch>
         </p:blipFill>
         <p:spPr>
           <a:xfrm>
-            <a:off x="17105108" y="19787653"/>
-            <a:ext cx="3873484" cy="387348"/>
+            <a:off x="37528500" y="1714501"/>
+            <a:ext cx="5842000" cy="1974474"/>
           </a:xfrm>
           <a:prstGeom prst="rect">
             <a:avLst/>
           </a:prstGeom>
         </p:spPr>
       </p:pic>
+      <p:sp>
+        <p:nvSpPr>
+          <p:cNvPr id="58" name="Content Placeholder 2"/>
+          <p:cNvSpPr>
+            <a:spLocks noGrp="1"/>
+          </p:cNvSpPr>
+          <p:nvPr>
+            <p:ph sz="quarter" idx="32"/>
+          </p:nvPr>
+        </p:nvSpPr>
+        <p:spPr>
+          <a:xfrm>
+            <a:off x="15344352" y="21168231"/>
+            <a:ext cx="12923039" cy="10640765"/>
+          </a:xfrm>
+          <a:solidFill>
+            <a:schemeClr val="bg1">
+              <a:alpha val="81000"/>
+            </a:schemeClr>
+          </a:solidFill>
+        </p:spPr>
+        <p:txBody>
+          <a:bodyPr>
+            <a:normAutofit/>
+          </a:bodyPr>
+          <a:lstStyle/>
+          <a:p>
+            <a:pPr marL="0" indent="0">
+              <a:buNone/>
+            </a:pPr>
+            <a:r>
+              <a:rPr lang="en-US" sz="3200" dirty="0">
+                <a:latin typeface="Palatino" charset="0"/>
+                <a:ea typeface="Palatino" charset="0"/>
+                <a:cs typeface="Palatino" charset="0"/>
+              </a:rPr>
+              <a:t>We apply Eq.(1) to the data using appropriate isospin relations for the proton and deuteron targets.  The analysis of the data will be done using the standard       minimization procedure.</a:t>
+            </a:r>
+          </a:p>
+          <a:p>
+            <a:pPr marL="0" indent="0">
+              <a:buNone/>
+            </a:pPr>
+            <a:r>
+              <a:rPr lang="en-US" sz="3200" dirty="0">
+                <a:latin typeface="Palatino" charset="0"/>
+                <a:ea typeface="Palatino" charset="0"/>
+                <a:cs typeface="Palatino" charset="0"/>
+              </a:rPr>
+              <a:t>The main objective of our analysis is understanding of the correct criteria for data selection. A recent paper </a:t>
+            </a:r>
+            <a:r>
+              <a:rPr lang="en-US" sz="3200" dirty="0">
+                <a:latin typeface="Palatino"/>
+                <a:cs typeface="Palatino"/>
+              </a:rPr>
+              <a:t>[2] studied SIDIS process and limits of TMD factorization. </a:t>
+            </a:r>
+            <a:r>
+              <a:rPr lang="en-US" sz="3200" dirty="0">
+                <a:latin typeface="Palatino" charset="0"/>
+                <a:ea typeface="Palatino" charset="0"/>
+                <a:cs typeface="Palatino" charset="0"/>
+              </a:rPr>
+              <a:t>The authors propose a criteria for identifying the current fragmentation region — the kinematical region where a factorization picture with fragmentation functions is appropriate for studies of transverse-momentum-dependent (TMD) functions - based on a rapidity selection filter of the data.  We apply a cut on the boost invariant difference of the target nucleon rapidity, and the produced hadron rapidity in the </a:t>
+            </a:r>
+            <a:r>
+              <a:rPr lang="en-US" sz="3200" dirty="0" err="1">
+                <a:latin typeface="Palatino" charset="0"/>
+                <a:ea typeface="Palatino" charset="0"/>
+                <a:cs typeface="Palatino" charset="0"/>
+              </a:rPr>
+              <a:t>Breit</a:t>
+            </a:r>
+            <a:r>
+              <a:rPr lang="en-US" sz="3200" dirty="0">
+                <a:latin typeface="Palatino" charset="0"/>
+                <a:ea typeface="Palatino" charset="0"/>
+                <a:cs typeface="Palatino" charset="0"/>
+              </a:rPr>
+              <a:t> frame, </a:t>
+            </a:r>
+            <a:r>
+              <a:rPr lang="en-US" sz="3200" dirty="0" err="1">
+                <a:latin typeface="Palatino" charset="0"/>
+                <a:ea typeface="Palatino" charset="0"/>
+                <a:cs typeface="Palatino" charset="0"/>
+              </a:rPr>
+              <a:t>y</a:t>
+            </a:r>
+            <a:r>
+              <a:rPr lang="en-US" sz="3200" baseline="-25000" dirty="0" err="1">
+                <a:latin typeface="Palatino" charset="0"/>
+                <a:ea typeface="Palatino" charset="0"/>
+                <a:cs typeface="Palatino" charset="0"/>
+              </a:rPr>
+              <a:t>p</a:t>
+            </a:r>
+            <a:r>
+              <a:rPr lang="en-US" sz="3200" dirty="0">
+                <a:latin typeface="Palatino" charset="0"/>
+                <a:ea typeface="Palatino" charset="0"/>
+                <a:cs typeface="Palatino" charset="0"/>
+              </a:rPr>
+              <a:t> </a:t>
+            </a:r>
+            <a:r>
+              <a:rPr lang="en-US" sz="3200" dirty="0">
+                <a:latin typeface="Palatino"/>
+                <a:cs typeface="Palatino"/>
+              </a:rPr>
+              <a:t>- </a:t>
+            </a:r>
+            <a:r>
+              <a:rPr lang="en-US" sz="3200" dirty="0" err="1">
+                <a:latin typeface="Palatino"/>
+                <a:cs typeface="Palatino"/>
+              </a:rPr>
+              <a:t>y</a:t>
+            </a:r>
+            <a:r>
+              <a:rPr lang="en-US" sz="3200" baseline="-25000" dirty="0" err="1">
+                <a:latin typeface="Palatino"/>
+                <a:cs typeface="Palatino"/>
+              </a:rPr>
+              <a:t>h</a:t>
+            </a:r>
+            <a:r>
+              <a:rPr lang="en-US" sz="3200" dirty="0">
+                <a:latin typeface="Palatino"/>
+                <a:cs typeface="Palatino"/>
+              </a:rPr>
+              <a:t>. It was pointed out that for current region this difference should be of order of 3-4 units in rapidity.</a:t>
+            </a:r>
+          </a:p>
+          <a:p>
+            <a:pPr marL="0" indent="0">
+              <a:buNone/>
+            </a:pPr>
+            <a:r>
+              <a:rPr lang="en-US" sz="3200" dirty="0">
+                <a:latin typeface="Palatino"/>
+                <a:cs typeface="Palatino"/>
+              </a:rPr>
+              <a:t>In our fits we introduce a new set of cuts motivated by validity of TMD factorization [2]:</a:t>
+            </a:r>
+            <a:endParaRPr lang="en-US" sz="3200" dirty="0">
+              <a:latin typeface="Palatino" charset="0"/>
+              <a:ea typeface="Palatino" charset="0"/>
+              <a:cs typeface="Palatino" charset="0"/>
+            </a:endParaRPr>
+          </a:p>
+          <a:p>
+            <a:pPr marL="0" indent="0">
+              <a:buNone/>
+            </a:pPr>
+            <a:endParaRPr lang="en-US" sz="3200" dirty="0">
+              <a:latin typeface="Palatino" charset="0"/>
+              <a:ea typeface="Palatino" charset="0"/>
+              <a:cs typeface="Palatino" charset="0"/>
+            </a:endParaRPr>
+          </a:p>
+          <a:p>
+            <a:pPr marL="0" indent="0">
+              <a:buNone/>
+            </a:pPr>
+            <a:endParaRPr lang="en-US" sz="3200" dirty="0">
+              <a:latin typeface="Palatino" charset="0"/>
+              <a:ea typeface="Palatino" charset="0"/>
+              <a:cs typeface="Palatino" charset="0"/>
+            </a:endParaRPr>
+          </a:p>
+          <a:p>
+            <a:pPr marL="0" indent="0">
+              <a:buNone/>
+            </a:pPr>
+            <a:endParaRPr lang="en-US" sz="3200" dirty="0">
+              <a:latin typeface="Palatino" charset="0"/>
+              <a:ea typeface="Palatino" charset="0"/>
+              <a:cs typeface="Palatino" charset="0"/>
+            </a:endParaRPr>
+          </a:p>
+        </p:txBody>
+      </p:sp>
       <p:pic>
         <p:nvPicPr>
-          <p:cNvPr id="46" name="Picture 45"/>
+          <p:cNvPr id="7" name="Picture 6"/>
           <p:cNvPicPr>
             <a:picLocks noChangeAspect="1"/>
           </p:cNvPicPr>
@@ -6640,222 +6876,17 @@
         </p:blipFill>
         <p:spPr>
           <a:xfrm>
-            <a:off x="37528500" y="1714501"/>
-            <a:ext cx="5842000" cy="1974474"/>
+            <a:off x="20282327" y="22224846"/>
+            <a:ext cx="444500" cy="508000"/>
           </a:xfrm>
           <a:prstGeom prst="rect">
             <a:avLst/>
           </a:prstGeom>
         </p:spPr>
       </p:pic>
-      <p:sp>
-        <p:nvSpPr>
-          <p:cNvPr id="58" name="Content Placeholder 2"/>
-          <p:cNvSpPr>
-            <a:spLocks noGrp="1"/>
-          </p:cNvSpPr>
-          <p:nvPr>
-            <p:ph sz="quarter" idx="32"/>
-          </p:nvPr>
-        </p:nvSpPr>
-        <p:spPr>
-          <a:xfrm>
-            <a:off x="15591349" y="21104326"/>
-            <a:ext cx="12923039" cy="10640765"/>
-          </a:xfrm>
-          <a:solidFill>
-            <a:schemeClr val="bg1">
-              <a:alpha val="81000"/>
-            </a:schemeClr>
-          </a:solidFill>
-        </p:spPr>
-        <p:txBody>
-          <a:bodyPr>
-            <a:normAutofit/>
-          </a:bodyPr>
-          <a:lstStyle/>
-          <a:p>
-            <a:pPr marL="0" indent="0">
-              <a:buNone/>
-            </a:pPr>
-            <a:r>
-              <a:rPr lang="en-US" sz="3200" dirty="0">
-                <a:latin typeface="Palatino" charset="0"/>
-                <a:ea typeface="Palatino" charset="0"/>
-                <a:cs typeface="Palatino" charset="0"/>
-              </a:rPr>
-              <a:t>We apply Eq.(1) to the data using appropriate isospin relations for the proton and deuteron targets.  The analysis of the data will be done using the standard       minimization procedure.</a:t>
-            </a:r>
-          </a:p>
-          <a:p>
-            <a:pPr marL="0" indent="0">
-              <a:buNone/>
-            </a:pPr>
-            <a:r>
-              <a:rPr lang="en-US" sz="3200" dirty="0">
-                <a:latin typeface="Palatino" charset="0"/>
-                <a:ea typeface="Palatino" charset="0"/>
-                <a:cs typeface="Palatino" charset="0"/>
-              </a:rPr>
-              <a:t>The main objective of our analysis is understanding of the correct criteria for data selection. A recent paper </a:t>
-            </a:r>
-            <a:r>
-              <a:rPr lang="en-US" sz="3200" dirty="0">
-                <a:latin typeface="Palatino"/>
-                <a:cs typeface="Palatino"/>
-              </a:rPr>
-              <a:t>[2] studied SIDIS process and limits of TMD factorization. </a:t>
-            </a:r>
-            <a:r>
-              <a:rPr lang="en-US" sz="3200" dirty="0">
-                <a:latin typeface="Palatino" charset="0"/>
-                <a:ea typeface="Palatino" charset="0"/>
-                <a:cs typeface="Palatino" charset="0"/>
-              </a:rPr>
-              <a:t>The authors propose a criteria for identifying the current fragmentation region — the kinematical region where a factorization picture with fragmentation functions is appropriate for studies of transverse-momentum-dependent (TMD) functions - based on a rapidity selection filter of the data.  We apply a cut on the boost invariant difference of the target nucleon rapidity, and the produced hadron rapidity in the </a:t>
-            </a:r>
-            <a:r>
-              <a:rPr lang="en-US" sz="3200" dirty="0" err="1">
-                <a:latin typeface="Palatino" charset="0"/>
-                <a:ea typeface="Palatino" charset="0"/>
-                <a:cs typeface="Palatino" charset="0"/>
-              </a:rPr>
-              <a:t>Breit</a:t>
-            </a:r>
-            <a:r>
-              <a:rPr lang="en-US" sz="3200" dirty="0">
-                <a:latin typeface="Palatino" charset="0"/>
-                <a:ea typeface="Palatino" charset="0"/>
-                <a:cs typeface="Palatino" charset="0"/>
-              </a:rPr>
-              <a:t> frame, </a:t>
-            </a:r>
-            <a:r>
-              <a:rPr lang="en-US" sz="3200" dirty="0" err="1">
-                <a:latin typeface="Palatino" charset="0"/>
-                <a:ea typeface="Palatino" charset="0"/>
-                <a:cs typeface="Palatino" charset="0"/>
-              </a:rPr>
-              <a:t>y</a:t>
-            </a:r>
-            <a:r>
-              <a:rPr lang="en-US" sz="3200" baseline="-25000" dirty="0" err="1">
-                <a:latin typeface="Palatino" charset="0"/>
-                <a:ea typeface="Palatino" charset="0"/>
-                <a:cs typeface="Palatino" charset="0"/>
-              </a:rPr>
-              <a:t>p</a:t>
-            </a:r>
-            <a:r>
-              <a:rPr lang="en-US" sz="3200" dirty="0">
-                <a:latin typeface="Palatino" charset="0"/>
-                <a:ea typeface="Palatino" charset="0"/>
-                <a:cs typeface="Palatino" charset="0"/>
-              </a:rPr>
-              <a:t> </a:t>
-            </a:r>
-            <a:r>
-              <a:rPr lang="en-US" sz="3200" dirty="0">
-                <a:latin typeface="Palatino"/>
-                <a:cs typeface="Palatino"/>
-              </a:rPr>
-              <a:t>- </a:t>
-            </a:r>
-            <a:r>
-              <a:rPr lang="en-US" sz="3200" dirty="0" err="1">
-                <a:latin typeface="Palatino"/>
-                <a:cs typeface="Palatino"/>
-              </a:rPr>
-              <a:t>y</a:t>
-            </a:r>
-            <a:r>
-              <a:rPr lang="en-US" sz="3200" baseline="-25000" dirty="0" err="1">
-                <a:latin typeface="Palatino"/>
-                <a:cs typeface="Palatino"/>
-              </a:rPr>
-              <a:t>h</a:t>
-            </a:r>
-            <a:r>
-              <a:rPr lang="en-US" sz="3200" dirty="0">
-                <a:latin typeface="Palatino"/>
-                <a:cs typeface="Palatino"/>
-              </a:rPr>
-              <a:t>. It was pointed out that for current region this difference should be of order of 3-4 units in rapidity.</a:t>
-            </a:r>
-          </a:p>
-          <a:p>
-            <a:pPr marL="0" indent="0">
-              <a:buNone/>
-            </a:pPr>
-            <a:r>
-              <a:rPr lang="en-US" sz="3200" dirty="0">
-                <a:latin typeface="Palatino"/>
-                <a:cs typeface="Palatino"/>
-              </a:rPr>
-              <a:t>In our fits we will utilize the following additional cuts. The standard cut from Ref. [3]</a:t>
-            </a:r>
-          </a:p>
-          <a:p>
-            <a:pPr marL="0" indent="0">
-              <a:buNone/>
-            </a:pPr>
-            <a:endParaRPr lang="en-US" sz="3200" dirty="0">
-              <a:latin typeface="Palatino"/>
-              <a:cs typeface="Palatino"/>
-            </a:endParaRPr>
-          </a:p>
-          <a:p>
-            <a:pPr marL="0" indent="0">
-              <a:buNone/>
-            </a:pPr>
-            <a:r>
-              <a:rPr lang="en-US" sz="3200" dirty="0">
-                <a:latin typeface="Palatino"/>
-                <a:cs typeface="Palatino"/>
-              </a:rPr>
-              <a:t>We will also introduce a new set of cuts motivated by validity of TMD factorization [2]:</a:t>
-            </a:r>
-            <a:endParaRPr lang="en-US" sz="3200" dirty="0">
-              <a:latin typeface="Palatino" charset="0"/>
-              <a:ea typeface="Palatino" charset="0"/>
-              <a:cs typeface="Palatino" charset="0"/>
-            </a:endParaRPr>
-          </a:p>
-          <a:p>
-            <a:pPr marL="0" indent="0">
-              <a:buNone/>
-            </a:pPr>
-            <a:endParaRPr lang="en-US" sz="3200" dirty="0">
-              <a:latin typeface="Palatino" charset="0"/>
-              <a:ea typeface="Palatino" charset="0"/>
-              <a:cs typeface="Palatino" charset="0"/>
-            </a:endParaRPr>
-          </a:p>
-          <a:p>
-            <a:pPr marL="0" indent="0">
-              <a:buNone/>
-            </a:pPr>
-            <a:endParaRPr lang="en-US" sz="3200" dirty="0">
-              <a:latin typeface="Palatino" charset="0"/>
-              <a:ea typeface="Palatino" charset="0"/>
-              <a:cs typeface="Palatino" charset="0"/>
-            </a:endParaRPr>
-          </a:p>
-          <a:p>
-            <a:pPr marL="0" indent="0">
-              <a:buNone/>
-            </a:pPr>
-            <a:endParaRPr lang="en-US" sz="3200" dirty="0">
-              <a:latin typeface="Palatino" charset="0"/>
-              <a:ea typeface="Palatino" charset="0"/>
-              <a:cs typeface="Palatino" charset="0"/>
-            </a:endParaRPr>
-          </a:p>
-        </p:txBody>
-      </p:sp>
       <p:pic>
         <p:nvPicPr>
-          <p:cNvPr id="7" name="Picture 6"/>
+          <p:cNvPr id="63" name="Picture 62"/>
           <p:cNvPicPr>
             <a:picLocks noChangeAspect="1"/>
           </p:cNvPicPr>
@@ -6869,8 +6900,8 @@
         </p:blipFill>
         <p:spPr>
           <a:xfrm>
-            <a:off x="20447000" y="22181205"/>
-            <a:ext cx="444500" cy="508000"/>
+            <a:off x="16014501" y="29630258"/>
+            <a:ext cx="1397000" cy="342900"/>
           </a:xfrm>
           <a:prstGeom prst="rect">
             <a:avLst/>
@@ -6879,7 +6910,7 @@
       </p:pic>
       <p:pic>
         <p:nvPicPr>
-          <p:cNvPr id="8" name="Picture 7"/>
+          <p:cNvPr id="65" name="Picture 64"/>
           <p:cNvPicPr>
             <a:picLocks noChangeAspect="1"/>
           </p:cNvPicPr>
@@ -6893,8 +6924,8 @@
         </p:blipFill>
         <p:spPr>
           <a:xfrm>
-            <a:off x="15990138" y="29466549"/>
-            <a:ext cx="1397000" cy="342900"/>
+            <a:off x="17915990" y="29554802"/>
+            <a:ext cx="3517900" cy="520700"/>
           </a:xfrm>
           <a:prstGeom prst="rect">
             <a:avLst/>
@@ -6903,7 +6934,7 @@
       </p:pic>
       <p:pic>
         <p:nvPicPr>
-          <p:cNvPr id="10" name="Picture 9"/>
+          <p:cNvPr id="14" name="Picture 13"/>
           <p:cNvPicPr>
             <a:picLocks noChangeAspect="1"/>
           </p:cNvPicPr>
@@ -6917,17 +6948,211 @@
         </p:blipFill>
         <p:spPr>
           <a:xfrm>
-            <a:off x="18084190" y="29377649"/>
-            <a:ext cx="3517900" cy="520700"/>
+            <a:off x="22108413" y="29540101"/>
+            <a:ext cx="2870200" cy="469900"/>
           </a:xfrm>
           <a:prstGeom prst="rect">
             <a:avLst/>
           </a:prstGeom>
         </p:spPr>
       </p:pic>
+      <p:sp>
+        <p:nvSpPr>
+          <p:cNvPr id="67" name="TextBox 66"/>
+          <p:cNvSpPr txBox="1"/>
+          <p:nvPr/>
+        </p:nvSpPr>
+        <p:spPr>
+          <a:xfrm>
+            <a:off x="29588663" y="18260062"/>
+            <a:ext cx="12902672" cy="3046988"/>
+          </a:xfrm>
+          <a:prstGeom prst="rect">
+            <a:avLst/>
+          </a:prstGeom>
+          <a:noFill/>
+        </p:spPr>
+        <p:txBody>
+          <a:bodyPr wrap="square" rtlCol="0">
+            <a:spAutoFit/>
+          </a:bodyPr>
+          <a:lstStyle/>
+          <a:p>
+            <a:endParaRPr lang="en-US" sz="3200" dirty="0">
+              <a:latin typeface="Palatino"/>
+            </a:endParaRPr>
+          </a:p>
+          <a:p>
+            <a:r>
+              <a:rPr lang="en-US" sz="3200" dirty="0" smtClean="0">
+                <a:latin typeface="Palatino"/>
+              </a:rPr>
+              <a:t>We </a:t>
+            </a:r>
+            <a:r>
+              <a:rPr lang="en-US" sz="3200" dirty="0">
+                <a:latin typeface="Palatino"/>
+              </a:rPr>
+              <a:t>perform the analysis of HERMES data using new cuts. The number of data points range from 460 for </a:t>
+            </a:r>
+            <a:r>
+              <a:rPr lang="en-US" sz="3200" dirty="0" err="1">
+                <a:latin typeface="Palatino"/>
+                <a:cs typeface="Palatino"/>
+              </a:rPr>
+              <a:t>y</a:t>
+            </a:r>
+            <a:r>
+              <a:rPr lang="en-US" sz="3200" baseline="-25000" dirty="0" err="1">
+                <a:latin typeface="Palatino"/>
+                <a:cs typeface="Palatino"/>
+              </a:rPr>
+              <a:t>p</a:t>
+            </a:r>
+            <a:r>
+              <a:rPr lang="en-US" sz="3200" dirty="0">
+                <a:latin typeface="Palatino"/>
+                <a:cs typeface="Palatino"/>
+              </a:rPr>
+              <a:t> </a:t>
+            </a:r>
+            <a:r>
+              <a:rPr lang="mr-IN" sz="3200" dirty="0">
+                <a:latin typeface="Palatino"/>
+                <a:cs typeface="Palatino"/>
+              </a:rPr>
+              <a:t>–</a:t>
+            </a:r>
+            <a:r>
+              <a:rPr lang="en-US" sz="3200" dirty="0">
+                <a:latin typeface="Palatino"/>
+                <a:cs typeface="Palatino"/>
+              </a:rPr>
+              <a:t> </a:t>
+            </a:r>
+            <a:r>
+              <a:rPr lang="en-US" sz="3200" dirty="0" err="1">
+                <a:latin typeface="Palatino"/>
+                <a:cs typeface="Palatino"/>
+              </a:rPr>
+              <a:t>y</a:t>
+            </a:r>
+            <a:r>
+              <a:rPr lang="en-US" sz="3200" baseline="-25000" dirty="0" err="1">
+                <a:latin typeface="Palatino"/>
+                <a:cs typeface="Palatino"/>
+              </a:rPr>
+              <a:t>h</a:t>
+            </a:r>
+            <a:r>
+              <a:rPr lang="en-US" sz="3200" baseline="-25000" dirty="0">
+                <a:latin typeface="Palatino"/>
+                <a:cs typeface="Palatino"/>
+              </a:rPr>
+              <a:t> </a:t>
+            </a:r>
+            <a:r>
+              <a:rPr lang="en-US" sz="3200" dirty="0">
+                <a:latin typeface="Palatino"/>
+              </a:rPr>
+              <a:t>&gt; 1.5 to 47 for </a:t>
+            </a:r>
+          </a:p>
+          <a:p>
+            <a:r>
+              <a:rPr lang="en-US" sz="3200" dirty="0" err="1">
+                <a:latin typeface="Palatino"/>
+                <a:cs typeface="Palatino"/>
+              </a:rPr>
+              <a:t>y</a:t>
+            </a:r>
+            <a:r>
+              <a:rPr lang="en-US" sz="3200" baseline="-25000" dirty="0" err="1">
+                <a:latin typeface="Palatino"/>
+                <a:cs typeface="Palatino"/>
+              </a:rPr>
+              <a:t>p</a:t>
+            </a:r>
+            <a:r>
+              <a:rPr lang="en-US" sz="3200" dirty="0">
+                <a:latin typeface="Palatino"/>
+                <a:cs typeface="Palatino"/>
+              </a:rPr>
+              <a:t> </a:t>
+            </a:r>
+            <a:r>
+              <a:rPr lang="mr-IN" sz="3200" dirty="0">
+                <a:latin typeface="Palatino"/>
+                <a:cs typeface="Palatino"/>
+              </a:rPr>
+              <a:t>–</a:t>
+            </a:r>
+            <a:r>
+              <a:rPr lang="en-US" sz="3200" dirty="0">
+                <a:latin typeface="Palatino"/>
+                <a:cs typeface="Palatino"/>
+              </a:rPr>
+              <a:t> </a:t>
+            </a:r>
+            <a:r>
+              <a:rPr lang="en-US" sz="3200" dirty="0" err="1">
+                <a:latin typeface="Palatino"/>
+                <a:cs typeface="Palatino"/>
+              </a:rPr>
+              <a:t>y</a:t>
+            </a:r>
+            <a:r>
+              <a:rPr lang="en-US" sz="3200" baseline="-25000" dirty="0" err="1">
+                <a:latin typeface="Palatino"/>
+                <a:cs typeface="Palatino"/>
+              </a:rPr>
+              <a:t>h</a:t>
+            </a:r>
+            <a:r>
+              <a:rPr lang="en-US" sz="3200" baseline="-25000" dirty="0">
+                <a:latin typeface="Palatino"/>
+                <a:cs typeface="Palatino"/>
+              </a:rPr>
+              <a:t> </a:t>
+            </a:r>
+            <a:r>
+              <a:rPr lang="en-US" sz="3200" dirty="0">
+                <a:latin typeface="Palatino"/>
+              </a:rPr>
+              <a:t>&gt; 3.7 and  the                    range from 1.4 to 1.3</a:t>
+            </a:r>
+            <a:r>
+              <a:rPr lang="en-US" sz="3200" dirty="0" smtClean="0">
+                <a:latin typeface="Palatino"/>
+              </a:rPr>
+              <a:t>.</a:t>
+            </a:r>
+            <a:endParaRPr lang="en-US" sz="3200" dirty="0">
+              <a:latin typeface="Palatino"/>
+            </a:endParaRPr>
+          </a:p>
+          <a:p>
+            <a:r>
+              <a:rPr lang="en-US" sz="3200" dirty="0">
+                <a:latin typeface="Palatino"/>
+              </a:rPr>
+              <a:t>We see that cuts in rapidity have impact on the fitted values of </a:t>
+            </a:r>
+            <a:r>
+              <a:rPr lang="en-US" sz="3200" dirty="0" smtClean="0">
+                <a:latin typeface="Palatino"/>
+              </a:rPr>
+              <a:t>parameters.</a:t>
+            </a:r>
+            <a:endParaRPr lang="en-US" sz="3200" dirty="0">
+              <a:latin typeface="Palatino"/>
+            </a:endParaRPr>
+          </a:p>
+        </p:txBody>
+      </p:sp>
       <p:pic>
         <p:nvPicPr>
-          <p:cNvPr id="11" name="Picture 10"/>
+          <p:cNvPr id="16" name="Picture 15"/>
           <p:cNvPicPr>
             <a:picLocks noChangeAspect="1"/>
           </p:cNvPicPr>
@@ -6941,65 +7166,155 @@
         </p:blipFill>
         <p:spPr>
           <a:xfrm>
-            <a:off x="22311119" y="29403049"/>
-            <a:ext cx="4521200" cy="469900"/>
+            <a:off x="33471241" y="19654301"/>
+            <a:ext cx="1676400" cy="520700"/>
           </a:xfrm>
           <a:prstGeom prst="rect">
             <a:avLst/>
           </a:prstGeom>
         </p:spPr>
       </p:pic>
-      <p:pic>
-        <p:nvPicPr>
-          <p:cNvPr id="63" name="Picture 62"/>
-          <p:cNvPicPr>
-            <a:picLocks noChangeAspect="1"/>
-          </p:cNvPicPr>
+      <p:sp>
+        <p:nvSpPr>
+          <p:cNvPr id="36" name="TextBox 35"/>
+          <p:cNvSpPr txBox="1"/>
           <p:nvPr/>
-        </p:nvPicPr>
-        <p:blipFill>
-          <a:blip r:embed="rId25"/>
-          <a:stretch>
-            <a:fillRect/>
-          </a:stretch>
-        </p:blipFill>
+        </p:nvSpPr>
         <p:spPr>
           <a:xfrm>
-            <a:off x="16037608" y="31084114"/>
-            <a:ext cx="1397000" cy="342900"/>
+            <a:off x="1555729" y="31655439"/>
+            <a:ext cx="24858600" cy="523220"/>
           </a:xfrm>
           <a:prstGeom prst="rect">
             <a:avLst/>
           </a:prstGeom>
-        </p:spPr>
-      </p:pic>
+          <a:noFill/>
+        </p:spPr>
+        <p:txBody>
+          <a:bodyPr wrap="none" rtlCol="0">
+            <a:spAutoFit/>
+          </a:bodyPr>
+          <a:lstStyle/>
+          <a:p>
+            <a:r>
+              <a:rPr lang="en-US" sz="2800" dirty="0">
+                <a:latin typeface="Palatino" charset="0"/>
+                <a:ea typeface="Palatino" charset="0"/>
+                <a:cs typeface="Palatino" charset="0"/>
+              </a:rPr>
+              <a:t>[1] </a:t>
+            </a:r>
+            <a:r>
+              <a:rPr lang="en-US" sz="2800" dirty="0">
+                <a:latin typeface="Palatino"/>
+                <a:cs typeface="Palatino"/>
+              </a:rPr>
+              <a:t>A. </a:t>
+            </a:r>
+            <a:r>
+              <a:rPr lang="en-US" sz="2800" dirty="0" err="1">
+                <a:latin typeface="Palatino"/>
+                <a:cs typeface="Palatino"/>
+              </a:rPr>
+              <a:t>Airapetian</a:t>
+            </a:r>
+            <a:r>
+              <a:rPr lang="en-US" sz="2800" dirty="0">
+                <a:latin typeface="Palatino"/>
+                <a:cs typeface="Palatino"/>
+              </a:rPr>
+              <a:t>, et al., Phys. Rev. </a:t>
+            </a:r>
+            <a:r>
+              <a:rPr lang="en-US" sz="2800" b="1" dirty="0">
+                <a:latin typeface="Palatino"/>
+                <a:cs typeface="Palatino"/>
+              </a:rPr>
+              <a:t>D87</a:t>
+            </a:r>
+            <a:r>
+              <a:rPr lang="en-US" sz="2800" dirty="0">
+                <a:latin typeface="Palatino"/>
+                <a:cs typeface="Palatino"/>
+              </a:rPr>
+              <a:t>, 074029 (2013), [2] M. </a:t>
+            </a:r>
+            <a:r>
+              <a:rPr lang="en-US" sz="2800" dirty="0" err="1">
+                <a:latin typeface="Palatino"/>
+                <a:cs typeface="Palatino"/>
+              </a:rPr>
+              <a:t>Boglione</a:t>
+            </a:r>
+            <a:r>
+              <a:rPr lang="en-US" sz="2800" dirty="0">
+                <a:latin typeface="Palatino"/>
+                <a:cs typeface="Palatino"/>
+              </a:rPr>
+              <a:t>, et al., Phys. </a:t>
+            </a:r>
+            <a:r>
+              <a:rPr lang="en-US" sz="2800" dirty="0" err="1">
+                <a:latin typeface="Palatino"/>
+                <a:cs typeface="Palatino"/>
+              </a:rPr>
+              <a:t>Lett</a:t>
+            </a:r>
+            <a:r>
+              <a:rPr lang="en-US" sz="2800" dirty="0">
+                <a:latin typeface="Palatino"/>
+                <a:cs typeface="Palatino"/>
+              </a:rPr>
+              <a:t>. </a:t>
+            </a:r>
+            <a:r>
+              <a:rPr lang="en-US" sz="2800" b="1" dirty="0">
+                <a:latin typeface="Palatino"/>
+                <a:cs typeface="Palatino"/>
+              </a:rPr>
+              <a:t>B766</a:t>
+            </a:r>
+            <a:r>
+              <a:rPr lang="en-US" sz="2800" dirty="0">
+                <a:latin typeface="Palatino"/>
+                <a:cs typeface="Palatino"/>
+              </a:rPr>
+              <a:t>, 245-253 (2017), [3] M. </a:t>
+            </a:r>
+            <a:r>
+              <a:rPr lang="en-US" sz="2800" dirty="0" err="1">
+                <a:latin typeface="Palatino"/>
+                <a:cs typeface="Palatino"/>
+              </a:rPr>
+              <a:t>Anselmino</a:t>
+            </a:r>
+            <a:r>
+              <a:rPr lang="en-US" sz="2800" dirty="0">
+                <a:latin typeface="Palatino"/>
+                <a:cs typeface="Palatino"/>
+              </a:rPr>
+              <a:t>, et al., JHEP </a:t>
+            </a:r>
+            <a:r>
+              <a:rPr lang="en-US" sz="2800" b="1" dirty="0">
+                <a:latin typeface="Palatino"/>
+                <a:cs typeface="Palatino"/>
+              </a:rPr>
+              <a:t>1404</a:t>
+            </a:r>
+            <a:r>
+              <a:rPr lang="en-US" sz="2800" dirty="0">
+                <a:latin typeface="Palatino"/>
+                <a:cs typeface="Palatino"/>
+              </a:rPr>
+              <a:t>, 005 (2014) </a:t>
+            </a:r>
+          </a:p>
+        </p:txBody>
+      </p:sp>
       <p:pic>
         <p:nvPicPr>
-          <p:cNvPr id="65" name="Picture 64"/>
-          <p:cNvPicPr>
-            <a:picLocks noChangeAspect="1"/>
-          </p:cNvPicPr>
-          <p:nvPr/>
-        </p:nvPicPr>
-        <p:blipFill>
-          <a:blip r:embed="rId26"/>
-          <a:stretch>
-            <a:fillRect/>
-          </a:stretch>
-        </p:blipFill>
-        <p:spPr>
-          <a:xfrm>
-            <a:off x="18131660" y="30995214"/>
-            <a:ext cx="3517900" cy="520700"/>
-          </a:xfrm>
-          <a:prstGeom prst="rect">
-            <a:avLst/>
-          </a:prstGeom>
-        </p:spPr>
-      </p:pic>
-      <p:pic>
-        <p:nvPicPr>
-          <p:cNvPr id="14" name="Picture 13"/>
+          <p:cNvPr id="8" name="Picture 7"/>
           <p:cNvPicPr>
             <a:picLocks noChangeAspect="1"/>
           </p:cNvPicPr>
@@ -7013,993 +7328,14 @@
         </p:blipFill>
         <p:spPr>
           <a:xfrm>
-            <a:off x="22346612" y="30995214"/>
-            <a:ext cx="2870200" cy="469900"/>
+            <a:off x="29441116" y="5744574"/>
+            <a:ext cx="11906893" cy="4344407"/>
           </a:xfrm>
           <a:prstGeom prst="rect">
             <a:avLst/>
           </a:prstGeom>
         </p:spPr>
       </p:pic>
-      <p:sp>
-        <p:nvSpPr>
-          <p:cNvPr id="67" name="TextBox 66"/>
-          <p:cNvSpPr txBox="1"/>
-          <p:nvPr/>
-        </p:nvSpPr>
-        <p:spPr>
-          <a:xfrm>
-            <a:off x="29678122" y="6285037"/>
-            <a:ext cx="12902672" cy="19790033"/>
-          </a:xfrm>
-          <a:prstGeom prst="rect">
-            <a:avLst/>
-          </a:prstGeom>
-          <a:noFill/>
-        </p:spPr>
-        <p:txBody>
-          <a:bodyPr wrap="square" rtlCol="0">
-            <a:spAutoFit/>
-          </a:bodyPr>
-          <a:lstStyle/>
-          <a:p>
-            <a:r>
-              <a:rPr lang="en-US" sz="3200" dirty="0">
-                <a:latin typeface="Palatino"/>
-              </a:rPr>
-              <a:t>First we perform the analysis of the HERMES data using standard cuts. The number of data points range from 972 for </a:t>
-            </a:r>
-            <a:r>
-              <a:rPr lang="en-US" sz="3200" dirty="0" err="1">
-                <a:latin typeface="Palatino"/>
-                <a:cs typeface="Palatino"/>
-              </a:rPr>
-              <a:t>y</a:t>
-            </a:r>
-            <a:r>
-              <a:rPr lang="en-US" sz="3200" baseline="-25000" dirty="0" err="1">
-                <a:latin typeface="Palatino"/>
-                <a:cs typeface="Palatino"/>
-              </a:rPr>
-              <a:t>p</a:t>
-            </a:r>
-            <a:r>
-              <a:rPr lang="en-US" sz="3200" dirty="0">
-                <a:latin typeface="Palatino"/>
-                <a:cs typeface="Palatino"/>
-              </a:rPr>
-              <a:t> </a:t>
-            </a:r>
-            <a:r>
-              <a:rPr lang="mr-IN" sz="3200" dirty="0">
-                <a:latin typeface="Palatino"/>
-                <a:cs typeface="Palatino"/>
-              </a:rPr>
-              <a:t>–</a:t>
-            </a:r>
-            <a:r>
-              <a:rPr lang="en-US" sz="3200" dirty="0">
-                <a:latin typeface="Palatino"/>
-                <a:cs typeface="Palatino"/>
-              </a:rPr>
-              <a:t> </a:t>
-            </a:r>
-            <a:r>
-              <a:rPr lang="en-US" sz="3200" dirty="0" err="1">
-                <a:latin typeface="Palatino"/>
-                <a:cs typeface="Palatino"/>
-              </a:rPr>
-              <a:t>y</a:t>
-            </a:r>
-            <a:r>
-              <a:rPr lang="en-US" sz="3200" baseline="-25000" dirty="0" err="1">
-                <a:latin typeface="Palatino"/>
-                <a:cs typeface="Palatino"/>
-              </a:rPr>
-              <a:t>h</a:t>
-            </a:r>
-            <a:r>
-              <a:rPr lang="en-US" sz="3200" baseline="-25000" dirty="0">
-                <a:latin typeface="Palatino"/>
-                <a:cs typeface="Palatino"/>
-              </a:rPr>
-              <a:t> </a:t>
-            </a:r>
-            <a:r>
-              <a:rPr lang="en-US" sz="3200" dirty="0">
-                <a:latin typeface="Palatino"/>
-              </a:rPr>
-              <a:t>&gt; 1 to 35 for </a:t>
-            </a:r>
-          </a:p>
-          <a:p>
-            <a:r>
-              <a:rPr lang="en-US" sz="3200" dirty="0" err="1">
-                <a:latin typeface="Palatino"/>
-                <a:cs typeface="Palatino"/>
-              </a:rPr>
-              <a:t>y</a:t>
-            </a:r>
-            <a:r>
-              <a:rPr lang="en-US" sz="3200" baseline="-25000" dirty="0" err="1">
-                <a:latin typeface="Palatino"/>
-                <a:cs typeface="Palatino"/>
-              </a:rPr>
-              <a:t>p</a:t>
-            </a:r>
-            <a:r>
-              <a:rPr lang="en-US" sz="3200" dirty="0">
-                <a:latin typeface="Palatino"/>
-                <a:cs typeface="Palatino"/>
-              </a:rPr>
-              <a:t> </a:t>
-            </a:r>
-            <a:r>
-              <a:rPr lang="mr-IN" sz="3200" dirty="0">
-                <a:latin typeface="Palatino"/>
-                <a:cs typeface="Palatino"/>
-              </a:rPr>
-              <a:t>–</a:t>
-            </a:r>
-            <a:r>
-              <a:rPr lang="en-US" sz="3200" dirty="0">
-                <a:latin typeface="Palatino"/>
-                <a:cs typeface="Palatino"/>
-              </a:rPr>
-              <a:t> </a:t>
-            </a:r>
-            <a:r>
-              <a:rPr lang="en-US" sz="3200" dirty="0" err="1">
-                <a:latin typeface="Palatino"/>
-                <a:cs typeface="Palatino"/>
-              </a:rPr>
-              <a:t>y</a:t>
-            </a:r>
-            <a:r>
-              <a:rPr lang="en-US" sz="3200" baseline="-25000" dirty="0" err="1">
-                <a:latin typeface="Palatino"/>
-                <a:cs typeface="Palatino"/>
-              </a:rPr>
-              <a:t>h</a:t>
-            </a:r>
-            <a:r>
-              <a:rPr lang="en-US" sz="3200" baseline="-25000" dirty="0">
-                <a:latin typeface="Palatino"/>
-                <a:cs typeface="Palatino"/>
-              </a:rPr>
-              <a:t> </a:t>
-            </a:r>
-            <a:r>
-              <a:rPr lang="en-US" sz="3200" dirty="0">
-                <a:latin typeface="Palatino"/>
-              </a:rPr>
-              <a:t>&gt; 3.5 and the                    range from 1.2 to 0.3</a:t>
-            </a:r>
-          </a:p>
-          <a:p>
-            <a:endParaRPr lang="en-US" sz="3200" dirty="0">
-              <a:latin typeface="Palatino"/>
-            </a:endParaRPr>
-          </a:p>
-          <a:p>
-            <a:endParaRPr lang="en-US" sz="3200" dirty="0">
-              <a:latin typeface="Palatino"/>
-            </a:endParaRPr>
-          </a:p>
-          <a:p>
-            <a:endParaRPr lang="en-US" sz="3200" dirty="0">
-              <a:latin typeface="Palatino"/>
-            </a:endParaRPr>
-          </a:p>
-          <a:p>
-            <a:endParaRPr lang="en-US" sz="3200" dirty="0">
-              <a:latin typeface="Palatino"/>
-            </a:endParaRPr>
-          </a:p>
-          <a:p>
-            <a:endParaRPr lang="en-US" sz="3200" dirty="0">
-              <a:latin typeface="Palatino"/>
-            </a:endParaRPr>
-          </a:p>
-          <a:p>
-            <a:endParaRPr lang="en-US" sz="3200" dirty="0">
-              <a:latin typeface="Palatino"/>
-            </a:endParaRPr>
-          </a:p>
-          <a:p>
-            <a:endParaRPr lang="en-US" sz="3200" dirty="0">
-              <a:latin typeface="Palatino"/>
-            </a:endParaRPr>
-          </a:p>
-          <a:p>
-            <a:endParaRPr lang="en-US" sz="3200" dirty="0">
-              <a:latin typeface="Palatino"/>
-            </a:endParaRPr>
-          </a:p>
-          <a:p>
-            <a:endParaRPr lang="en-US" sz="3200" dirty="0">
-              <a:latin typeface="Palatino"/>
-            </a:endParaRPr>
-          </a:p>
-          <a:p>
-            <a:endParaRPr lang="en-US" sz="3200" dirty="0">
-              <a:latin typeface="Palatino"/>
-            </a:endParaRPr>
-          </a:p>
-          <a:p>
-            <a:endParaRPr lang="en-US" sz="3200" dirty="0">
-              <a:latin typeface="Palatino"/>
-            </a:endParaRPr>
-          </a:p>
-          <a:p>
-            <a:r>
-              <a:rPr lang="en-US" sz="3200" dirty="0">
-                <a:latin typeface="Palatino"/>
-              </a:rPr>
-              <a:t>One can see that for </a:t>
-            </a:r>
-            <a:r>
-              <a:rPr lang="en-US" sz="3200" dirty="0" err="1">
-                <a:latin typeface="Palatino"/>
-                <a:cs typeface="Palatino"/>
-              </a:rPr>
-              <a:t>y</a:t>
-            </a:r>
-            <a:r>
-              <a:rPr lang="en-US" sz="3200" baseline="-25000" dirty="0" err="1">
-                <a:latin typeface="Palatino"/>
-                <a:cs typeface="Palatino"/>
-              </a:rPr>
-              <a:t>p</a:t>
-            </a:r>
-            <a:r>
-              <a:rPr lang="en-US" sz="3200" dirty="0">
-                <a:latin typeface="Palatino"/>
-                <a:cs typeface="Palatino"/>
-              </a:rPr>
-              <a:t> </a:t>
-            </a:r>
-            <a:r>
-              <a:rPr lang="mr-IN" sz="3200" dirty="0">
-                <a:latin typeface="Palatino"/>
-                <a:cs typeface="Palatino"/>
-              </a:rPr>
-              <a:t>–</a:t>
-            </a:r>
-            <a:r>
-              <a:rPr lang="en-US" sz="3200" dirty="0">
-                <a:latin typeface="Palatino"/>
-                <a:cs typeface="Palatino"/>
-              </a:rPr>
-              <a:t> </a:t>
-            </a:r>
-            <a:r>
-              <a:rPr lang="en-US" sz="3200" dirty="0" err="1">
-                <a:latin typeface="Palatino"/>
-                <a:cs typeface="Palatino"/>
-              </a:rPr>
-              <a:t>y</a:t>
-            </a:r>
-            <a:r>
-              <a:rPr lang="en-US" sz="3200" baseline="-25000" dirty="0" err="1">
-                <a:latin typeface="Palatino"/>
-                <a:cs typeface="Palatino"/>
-              </a:rPr>
-              <a:t>h</a:t>
-            </a:r>
-            <a:r>
-              <a:rPr lang="en-US" sz="3200" baseline="-25000" dirty="0">
-                <a:latin typeface="Palatino"/>
-                <a:cs typeface="Palatino"/>
-              </a:rPr>
-              <a:t> </a:t>
-            </a:r>
-            <a:r>
-              <a:rPr lang="en-US" sz="3200" dirty="0">
-                <a:latin typeface="Palatino"/>
-              </a:rPr>
-              <a:t>&gt; 1 we reproduce results of ref. [3]</a:t>
-            </a:r>
-            <a:r>
-              <a:rPr lang="en-US" sz="3200" dirty="0">
-                <a:latin typeface="Palatino"/>
-                <a:cs typeface="Palatino"/>
-              </a:rPr>
-              <a:t> with                                       </a:t>
-            </a:r>
-          </a:p>
-          <a:p>
-            <a:r>
-              <a:rPr lang="en-US" sz="3200" dirty="0">
-                <a:latin typeface="Palatino"/>
-              </a:rPr>
-              <a:t>                                       ,</a:t>
-            </a:r>
-          </a:p>
-          <a:p>
-            <a:r>
-              <a:rPr lang="en-US" sz="3200" dirty="0">
-                <a:latin typeface="Palatino"/>
-              </a:rPr>
-              <a:t>while in the region where current fragmentation should dominate we have                                       , </a:t>
-            </a:r>
-          </a:p>
-          <a:p>
-            <a:r>
-              <a:rPr lang="en-US" sz="3200" dirty="0">
-                <a:latin typeface="Palatino"/>
-              </a:rPr>
-              <a:t>We conclude that selection of the data is crucial for determination of parameters that describe TMDs.</a:t>
-            </a:r>
-          </a:p>
-          <a:p>
-            <a:endParaRPr lang="en-US" sz="3200" dirty="0">
-              <a:latin typeface="Palatino"/>
-            </a:endParaRPr>
-          </a:p>
-          <a:p>
-            <a:r>
-              <a:rPr lang="en-US" sz="3200" dirty="0">
-                <a:latin typeface="Palatino"/>
-              </a:rPr>
-              <a:t>Second we perform the analysis of HERMES data using new cuts. The number of data points range from 460 for </a:t>
-            </a:r>
-            <a:r>
-              <a:rPr lang="en-US" sz="3200" dirty="0" err="1">
-                <a:latin typeface="Palatino"/>
-                <a:cs typeface="Palatino"/>
-              </a:rPr>
-              <a:t>y</a:t>
-            </a:r>
-            <a:r>
-              <a:rPr lang="en-US" sz="3200" baseline="-25000" dirty="0" err="1">
-                <a:latin typeface="Palatino"/>
-                <a:cs typeface="Palatino"/>
-              </a:rPr>
-              <a:t>p</a:t>
-            </a:r>
-            <a:r>
-              <a:rPr lang="en-US" sz="3200" dirty="0">
-                <a:latin typeface="Palatino"/>
-                <a:cs typeface="Palatino"/>
-              </a:rPr>
-              <a:t> </a:t>
-            </a:r>
-            <a:r>
-              <a:rPr lang="mr-IN" sz="3200" dirty="0">
-                <a:latin typeface="Palatino"/>
-                <a:cs typeface="Palatino"/>
-              </a:rPr>
-              <a:t>–</a:t>
-            </a:r>
-            <a:r>
-              <a:rPr lang="en-US" sz="3200" dirty="0">
-                <a:latin typeface="Palatino"/>
-                <a:cs typeface="Palatino"/>
-              </a:rPr>
-              <a:t> </a:t>
-            </a:r>
-            <a:r>
-              <a:rPr lang="en-US" sz="3200" dirty="0" err="1">
-                <a:latin typeface="Palatino"/>
-                <a:cs typeface="Palatino"/>
-              </a:rPr>
-              <a:t>y</a:t>
-            </a:r>
-            <a:r>
-              <a:rPr lang="en-US" sz="3200" baseline="-25000" dirty="0" err="1">
-                <a:latin typeface="Palatino"/>
-                <a:cs typeface="Palatino"/>
-              </a:rPr>
-              <a:t>h</a:t>
-            </a:r>
-            <a:r>
-              <a:rPr lang="en-US" sz="3200" baseline="-25000" dirty="0">
-                <a:latin typeface="Palatino"/>
-                <a:cs typeface="Palatino"/>
-              </a:rPr>
-              <a:t> </a:t>
-            </a:r>
-            <a:r>
-              <a:rPr lang="en-US" sz="3200" dirty="0">
-                <a:latin typeface="Palatino"/>
-              </a:rPr>
-              <a:t>&gt; 1.5 to 47 for </a:t>
-            </a:r>
-          </a:p>
-          <a:p>
-            <a:r>
-              <a:rPr lang="en-US" sz="3200" dirty="0" err="1">
-                <a:latin typeface="Palatino"/>
-                <a:cs typeface="Palatino"/>
-              </a:rPr>
-              <a:t>y</a:t>
-            </a:r>
-            <a:r>
-              <a:rPr lang="en-US" sz="3200" baseline="-25000" dirty="0" err="1">
-                <a:latin typeface="Palatino"/>
-                <a:cs typeface="Palatino"/>
-              </a:rPr>
-              <a:t>p</a:t>
-            </a:r>
-            <a:r>
-              <a:rPr lang="en-US" sz="3200" dirty="0">
-                <a:latin typeface="Palatino"/>
-                <a:cs typeface="Palatino"/>
-              </a:rPr>
-              <a:t> </a:t>
-            </a:r>
-            <a:r>
-              <a:rPr lang="mr-IN" sz="3200" dirty="0">
-                <a:latin typeface="Palatino"/>
-                <a:cs typeface="Palatino"/>
-              </a:rPr>
-              <a:t>–</a:t>
-            </a:r>
-            <a:r>
-              <a:rPr lang="en-US" sz="3200" dirty="0">
-                <a:latin typeface="Palatino"/>
-                <a:cs typeface="Palatino"/>
-              </a:rPr>
-              <a:t> </a:t>
-            </a:r>
-            <a:r>
-              <a:rPr lang="en-US" sz="3200" dirty="0" err="1">
-                <a:latin typeface="Palatino"/>
-                <a:cs typeface="Palatino"/>
-              </a:rPr>
-              <a:t>y</a:t>
-            </a:r>
-            <a:r>
-              <a:rPr lang="en-US" sz="3200" baseline="-25000" dirty="0" err="1">
-                <a:latin typeface="Palatino"/>
-                <a:cs typeface="Palatino"/>
-              </a:rPr>
-              <a:t>h</a:t>
-            </a:r>
-            <a:r>
-              <a:rPr lang="en-US" sz="3200" baseline="-25000" dirty="0">
-                <a:latin typeface="Palatino"/>
-                <a:cs typeface="Palatino"/>
-              </a:rPr>
-              <a:t> </a:t>
-            </a:r>
-            <a:r>
-              <a:rPr lang="en-US" sz="3200" dirty="0">
-                <a:latin typeface="Palatino"/>
-              </a:rPr>
-              <a:t>&gt; 3.7 and  the                    range from 1.4 to 1.3.</a:t>
-            </a:r>
-          </a:p>
-          <a:p>
-            <a:endParaRPr lang="en-US" sz="3200" dirty="0">
-              <a:latin typeface="Palatino"/>
-            </a:endParaRPr>
-          </a:p>
-          <a:p>
-            <a:endParaRPr lang="en-US" sz="3200" dirty="0">
-              <a:latin typeface="Palatino"/>
-            </a:endParaRPr>
-          </a:p>
-          <a:p>
-            <a:endParaRPr lang="en-US" sz="3200" dirty="0">
-              <a:latin typeface="Palatino"/>
-            </a:endParaRPr>
-          </a:p>
-          <a:p>
-            <a:endParaRPr lang="en-US" sz="3200" dirty="0">
-              <a:latin typeface="Palatino"/>
-            </a:endParaRPr>
-          </a:p>
-          <a:p>
-            <a:endParaRPr lang="en-US" sz="3200" dirty="0">
-              <a:latin typeface="Palatino"/>
-            </a:endParaRPr>
-          </a:p>
-          <a:p>
-            <a:endParaRPr lang="en-US" sz="3200" dirty="0">
-              <a:latin typeface="Palatino"/>
-            </a:endParaRPr>
-          </a:p>
-          <a:p>
-            <a:endParaRPr lang="en-US" sz="3200" dirty="0">
-              <a:latin typeface="Palatino"/>
-            </a:endParaRPr>
-          </a:p>
-          <a:p>
-            <a:endParaRPr lang="en-US" sz="3200" dirty="0">
-              <a:latin typeface="Palatino"/>
-            </a:endParaRPr>
-          </a:p>
-          <a:p>
-            <a:endParaRPr lang="en-US" sz="3200" dirty="0">
-              <a:latin typeface="Palatino"/>
-            </a:endParaRPr>
-          </a:p>
-          <a:p>
-            <a:endParaRPr lang="en-US" sz="3200" dirty="0">
-              <a:latin typeface="Palatino"/>
-            </a:endParaRPr>
-          </a:p>
-          <a:p>
-            <a:endParaRPr lang="en-US" sz="3200" dirty="0">
-              <a:latin typeface="Palatino"/>
-            </a:endParaRPr>
-          </a:p>
-          <a:p>
-            <a:r>
-              <a:rPr lang="en-US" sz="3200" dirty="0">
-                <a:latin typeface="Palatino"/>
-              </a:rPr>
-              <a:t>We see that cuts in rapidity have impact on the fitted values of parameters, but this impact is much less pronounced for new cuts compared to standard cuts. We observe similar trends and values of parameters in the region of current fragmentation </a:t>
-            </a:r>
-            <a:r>
-              <a:rPr lang="en-US" sz="3200" dirty="0" err="1">
-                <a:latin typeface="Palatino"/>
-                <a:cs typeface="Palatino"/>
-              </a:rPr>
-              <a:t>y</a:t>
-            </a:r>
-            <a:r>
-              <a:rPr lang="en-US" sz="3200" baseline="-25000" dirty="0" err="1">
-                <a:latin typeface="Palatino"/>
-                <a:cs typeface="Palatino"/>
-              </a:rPr>
-              <a:t>p</a:t>
-            </a:r>
-            <a:r>
-              <a:rPr lang="en-US" sz="3200" dirty="0">
-                <a:latin typeface="Palatino"/>
-                <a:cs typeface="Palatino"/>
-              </a:rPr>
-              <a:t> </a:t>
-            </a:r>
-            <a:r>
-              <a:rPr lang="mr-IN" sz="3200" dirty="0">
-                <a:latin typeface="Palatino"/>
-                <a:cs typeface="Palatino"/>
-              </a:rPr>
-              <a:t>–</a:t>
-            </a:r>
-            <a:r>
-              <a:rPr lang="en-US" sz="3200" dirty="0">
-                <a:latin typeface="Palatino"/>
-                <a:cs typeface="Palatino"/>
-              </a:rPr>
-              <a:t> </a:t>
-            </a:r>
-            <a:r>
-              <a:rPr lang="en-US" sz="3200" dirty="0" err="1">
-                <a:latin typeface="Palatino"/>
-                <a:cs typeface="Palatino"/>
-              </a:rPr>
-              <a:t>y</a:t>
-            </a:r>
-            <a:r>
-              <a:rPr lang="en-US" sz="3200" baseline="-25000" dirty="0" err="1">
-                <a:latin typeface="Palatino"/>
-                <a:cs typeface="Palatino"/>
-              </a:rPr>
-              <a:t>h</a:t>
-            </a:r>
-            <a:r>
-              <a:rPr lang="en-US" sz="3200" baseline="-25000" dirty="0">
-                <a:latin typeface="Palatino"/>
-                <a:cs typeface="Palatino"/>
-              </a:rPr>
-              <a:t> </a:t>
-            </a:r>
-            <a:r>
-              <a:rPr lang="en-US" sz="3200" dirty="0">
-                <a:latin typeface="Palatino"/>
-              </a:rPr>
-              <a:t>&gt; 3 in both cases.</a:t>
-            </a:r>
-          </a:p>
-        </p:txBody>
-      </p:sp>
-      <p:pic>
-        <p:nvPicPr>
-          <p:cNvPr id="16" name="Picture 15"/>
-          <p:cNvPicPr>
-            <a:picLocks noChangeAspect="1"/>
-          </p:cNvPicPr>
-          <p:nvPr/>
-        </p:nvPicPr>
-        <p:blipFill>
-          <a:blip r:embed="rId29"/>
-          <a:stretch>
-            <a:fillRect/>
-          </a:stretch>
-        </p:blipFill>
-        <p:spPr>
-          <a:xfrm>
-            <a:off x="33663597" y="17494008"/>
-            <a:ext cx="1676400" cy="520700"/>
-          </a:xfrm>
-          <a:prstGeom prst="rect">
-            <a:avLst/>
-          </a:prstGeom>
-        </p:spPr>
-      </p:pic>
-      <p:pic>
-        <p:nvPicPr>
-          <p:cNvPr id="18" name="Picture 17"/>
-          <p:cNvPicPr>
-            <a:picLocks noChangeAspect="1"/>
-          </p:cNvPicPr>
-          <p:nvPr/>
-        </p:nvPicPr>
-        <p:blipFill>
-          <a:blip r:embed="rId30">
-            <a:extLst>
-              <a:ext uri="{28A0092B-C50C-407E-A947-70E740481C1C}">
-                <a14:useLocalDpi xmlns:a14="http://schemas.microsoft.com/office/drawing/2010/main" val="0"/>
-              </a:ext>
-            </a:extLst>
-          </a:blip>
-          <a:stretch>
-            <a:fillRect/>
-          </a:stretch>
-        </p:blipFill>
-        <p:spPr>
-          <a:xfrm>
-            <a:off x="29833720" y="18215836"/>
-            <a:ext cx="6795244" cy="5096433"/>
-          </a:xfrm>
-          <a:prstGeom prst="rect">
-            <a:avLst/>
-          </a:prstGeom>
-        </p:spPr>
-      </p:pic>
-      <p:pic>
-        <p:nvPicPr>
-          <p:cNvPr id="19" name="Picture 18"/>
-          <p:cNvPicPr>
-            <a:picLocks noChangeAspect="1"/>
-          </p:cNvPicPr>
-          <p:nvPr/>
-        </p:nvPicPr>
-        <p:blipFill>
-          <a:blip r:embed="rId31">
-            <a:extLst>
-              <a:ext uri="{28A0092B-C50C-407E-A947-70E740481C1C}">
-                <a14:useLocalDpi xmlns:a14="http://schemas.microsoft.com/office/drawing/2010/main" val="0"/>
-              </a:ext>
-            </a:extLst>
-          </a:blip>
-          <a:stretch>
-            <a:fillRect/>
-          </a:stretch>
-        </p:blipFill>
-        <p:spPr>
-          <a:xfrm>
-            <a:off x="36733336" y="18184219"/>
-            <a:ext cx="6694251" cy="5020688"/>
-          </a:xfrm>
-          <a:prstGeom prst="rect">
-            <a:avLst/>
-          </a:prstGeom>
-        </p:spPr>
-      </p:pic>
-      <p:pic>
-        <p:nvPicPr>
-          <p:cNvPr id="69" name="Picture 68"/>
-          <p:cNvPicPr>
-            <a:picLocks noChangeAspect="1"/>
-          </p:cNvPicPr>
-          <p:nvPr/>
-        </p:nvPicPr>
-        <p:blipFill>
-          <a:blip r:embed="rId29"/>
-          <a:stretch>
-            <a:fillRect/>
-          </a:stretch>
-        </p:blipFill>
-        <p:spPr>
-          <a:xfrm>
-            <a:off x="33524900" y="7289983"/>
-            <a:ext cx="1676400" cy="520700"/>
-          </a:xfrm>
-          <a:prstGeom prst="rect">
-            <a:avLst/>
-          </a:prstGeom>
-        </p:spPr>
-      </p:pic>
-      <p:pic>
-        <p:nvPicPr>
-          <p:cNvPr id="21" name="Picture 20"/>
-          <p:cNvPicPr>
-            <a:picLocks noChangeAspect="1"/>
-          </p:cNvPicPr>
-          <p:nvPr/>
-        </p:nvPicPr>
-        <p:blipFill>
-          <a:blip r:embed="rId32">
-            <a:extLst>
-              <a:ext uri="{28A0092B-C50C-407E-A947-70E740481C1C}">
-                <a14:useLocalDpi xmlns:a14="http://schemas.microsoft.com/office/drawing/2010/main" val="0"/>
-              </a:ext>
-            </a:extLst>
-          </a:blip>
-          <a:stretch>
-            <a:fillRect/>
-          </a:stretch>
-        </p:blipFill>
-        <p:spPr>
-          <a:xfrm>
-            <a:off x="29841933" y="7981414"/>
-            <a:ext cx="6643883" cy="4982912"/>
-          </a:xfrm>
-          <a:prstGeom prst="rect">
-            <a:avLst/>
-          </a:prstGeom>
-        </p:spPr>
-      </p:pic>
-      <p:pic>
-        <p:nvPicPr>
-          <p:cNvPr id="22" name="Picture 21"/>
-          <p:cNvPicPr>
-            <a:picLocks noChangeAspect="1"/>
-          </p:cNvPicPr>
-          <p:nvPr/>
-        </p:nvPicPr>
-        <p:blipFill>
-          <a:blip r:embed="rId33">
-            <a:extLst>
-              <a:ext uri="{28A0092B-C50C-407E-A947-70E740481C1C}">
-                <a14:useLocalDpi xmlns:a14="http://schemas.microsoft.com/office/drawing/2010/main" val="0"/>
-              </a:ext>
-            </a:extLst>
-          </a:blip>
-          <a:stretch>
-            <a:fillRect/>
-          </a:stretch>
-        </p:blipFill>
-        <p:spPr>
-          <a:xfrm>
-            <a:off x="36595338" y="8047766"/>
-            <a:ext cx="6358431" cy="4768823"/>
-          </a:xfrm>
-          <a:prstGeom prst="rect">
-            <a:avLst/>
-          </a:prstGeom>
-        </p:spPr>
-      </p:pic>
-      <p:pic>
-        <p:nvPicPr>
-          <p:cNvPr id="24" name="Picture 23"/>
-          <p:cNvPicPr>
-            <a:picLocks noChangeAspect="1"/>
-          </p:cNvPicPr>
-          <p:nvPr/>
-        </p:nvPicPr>
-        <p:blipFill>
-          <a:blip r:embed="rId34"/>
-          <a:stretch>
-            <a:fillRect/>
-          </a:stretch>
-        </p:blipFill>
-        <p:spPr>
-          <a:xfrm>
-            <a:off x="29853372" y="13626173"/>
-            <a:ext cx="3784600" cy="520700"/>
-          </a:xfrm>
-          <a:prstGeom prst="rect">
-            <a:avLst/>
-          </a:prstGeom>
-        </p:spPr>
-      </p:pic>
-      <p:pic>
-        <p:nvPicPr>
-          <p:cNvPr id="25" name="Picture 24"/>
-          <p:cNvPicPr>
-            <a:picLocks noChangeAspect="1"/>
-          </p:cNvPicPr>
-          <p:nvPr/>
-        </p:nvPicPr>
-        <p:blipFill>
-          <a:blip r:embed="rId35"/>
-          <a:stretch>
-            <a:fillRect/>
-          </a:stretch>
-        </p:blipFill>
-        <p:spPr>
-          <a:xfrm>
-            <a:off x="34099265" y="13632746"/>
-            <a:ext cx="3759200" cy="520700"/>
-          </a:xfrm>
-          <a:prstGeom prst="rect">
-            <a:avLst/>
-          </a:prstGeom>
-        </p:spPr>
-      </p:pic>
-      <p:pic>
-        <p:nvPicPr>
-          <p:cNvPr id="26" name="Picture 25"/>
-          <p:cNvPicPr>
-            <a:picLocks noChangeAspect="1"/>
-          </p:cNvPicPr>
-          <p:nvPr/>
-        </p:nvPicPr>
-        <p:blipFill>
-          <a:blip r:embed="rId36"/>
-          <a:stretch>
-            <a:fillRect/>
-          </a:stretch>
-        </p:blipFill>
-        <p:spPr>
-          <a:xfrm>
-            <a:off x="34973715" y="14593081"/>
-            <a:ext cx="3759200" cy="520700"/>
-          </a:xfrm>
-          <a:prstGeom prst="rect">
-            <a:avLst/>
-          </a:prstGeom>
-        </p:spPr>
-      </p:pic>
-      <p:pic>
-        <p:nvPicPr>
-          <p:cNvPr id="28" name="Picture 27"/>
-          <p:cNvPicPr>
-            <a:picLocks noChangeAspect="1"/>
-          </p:cNvPicPr>
-          <p:nvPr/>
-        </p:nvPicPr>
-        <p:blipFill>
-          <a:blip r:embed="rId37"/>
-          <a:stretch>
-            <a:fillRect/>
-          </a:stretch>
-        </p:blipFill>
-        <p:spPr>
-          <a:xfrm>
-            <a:off x="30781502" y="14605902"/>
-            <a:ext cx="3784600" cy="520700"/>
-          </a:xfrm>
-          <a:prstGeom prst="rect">
-            <a:avLst/>
-          </a:prstGeom>
-        </p:spPr>
-      </p:pic>
-      <p:sp>
-        <p:nvSpPr>
-          <p:cNvPr id="36" name="TextBox 35"/>
-          <p:cNvSpPr txBox="1"/>
-          <p:nvPr/>
-        </p:nvSpPr>
-        <p:spPr>
-          <a:xfrm>
-            <a:off x="1555729" y="31655439"/>
-            <a:ext cx="24858600" cy="523220"/>
-          </a:xfrm>
-          <a:prstGeom prst="rect">
-            <a:avLst/>
-          </a:prstGeom>
-          <a:noFill/>
-        </p:spPr>
-        <p:txBody>
-          <a:bodyPr wrap="none" rtlCol="0">
-            <a:spAutoFit/>
-          </a:bodyPr>
-          <a:lstStyle/>
-          <a:p>
-            <a:r>
-              <a:rPr lang="en-US" sz="2800" dirty="0">
-                <a:latin typeface="Palatino" charset="0"/>
-                <a:ea typeface="Palatino" charset="0"/>
-                <a:cs typeface="Palatino" charset="0"/>
-              </a:rPr>
-              <a:t>[1] </a:t>
-            </a:r>
-            <a:r>
-              <a:rPr lang="en-US" sz="2800" dirty="0">
-                <a:latin typeface="Palatino"/>
-                <a:cs typeface="Palatino"/>
-              </a:rPr>
-              <a:t>A. </a:t>
-            </a:r>
-            <a:r>
-              <a:rPr lang="en-US" sz="2800" dirty="0" err="1">
-                <a:latin typeface="Palatino"/>
-                <a:cs typeface="Palatino"/>
-              </a:rPr>
-              <a:t>Airapetian</a:t>
-            </a:r>
-            <a:r>
-              <a:rPr lang="en-US" sz="2800" dirty="0">
-                <a:latin typeface="Palatino"/>
-                <a:cs typeface="Palatino"/>
-              </a:rPr>
-              <a:t>, et al., Phys. Rev. </a:t>
-            </a:r>
-            <a:r>
-              <a:rPr lang="en-US" sz="2800" b="1" dirty="0">
-                <a:latin typeface="Palatino"/>
-                <a:cs typeface="Palatino"/>
-              </a:rPr>
-              <a:t>D87</a:t>
-            </a:r>
-            <a:r>
-              <a:rPr lang="en-US" sz="2800" dirty="0">
-                <a:latin typeface="Palatino"/>
-                <a:cs typeface="Palatino"/>
-              </a:rPr>
-              <a:t>, 074029 (2013), [2] M. </a:t>
-            </a:r>
-            <a:r>
-              <a:rPr lang="en-US" sz="2800" dirty="0" err="1">
-                <a:latin typeface="Palatino"/>
-                <a:cs typeface="Palatino"/>
-              </a:rPr>
-              <a:t>Boglione</a:t>
-            </a:r>
-            <a:r>
-              <a:rPr lang="en-US" sz="2800" dirty="0">
-                <a:latin typeface="Palatino"/>
-                <a:cs typeface="Palatino"/>
-              </a:rPr>
-              <a:t>, et al., Phys. </a:t>
-            </a:r>
-            <a:r>
-              <a:rPr lang="en-US" sz="2800" dirty="0" err="1">
-                <a:latin typeface="Palatino"/>
-                <a:cs typeface="Palatino"/>
-              </a:rPr>
-              <a:t>Lett</a:t>
-            </a:r>
-            <a:r>
-              <a:rPr lang="en-US" sz="2800" dirty="0">
-                <a:latin typeface="Palatino"/>
-                <a:cs typeface="Palatino"/>
-              </a:rPr>
-              <a:t>. </a:t>
-            </a:r>
-            <a:r>
-              <a:rPr lang="en-US" sz="2800" b="1" dirty="0">
-                <a:latin typeface="Palatino"/>
-                <a:cs typeface="Palatino"/>
-              </a:rPr>
-              <a:t>B766</a:t>
-            </a:r>
-            <a:r>
-              <a:rPr lang="en-US" sz="2800" dirty="0">
-                <a:latin typeface="Palatino"/>
-                <a:cs typeface="Palatino"/>
-              </a:rPr>
-              <a:t>, 245-253 (2017), [3] M. </a:t>
-            </a:r>
-            <a:r>
-              <a:rPr lang="en-US" sz="2800" dirty="0" err="1">
-                <a:latin typeface="Palatino"/>
-                <a:cs typeface="Palatino"/>
-              </a:rPr>
-              <a:t>Anselmino</a:t>
-            </a:r>
-            <a:r>
-              <a:rPr lang="en-US" sz="2800" dirty="0">
-                <a:latin typeface="Palatino"/>
-                <a:cs typeface="Palatino"/>
-              </a:rPr>
-              <a:t>, et al., JHEP </a:t>
-            </a:r>
-            <a:r>
-              <a:rPr lang="en-US" sz="2800" b="1" dirty="0">
-                <a:latin typeface="Palatino"/>
-                <a:cs typeface="Palatino"/>
-              </a:rPr>
-              <a:t>1404</a:t>
-            </a:r>
-            <a:r>
-              <a:rPr lang="en-US" sz="2800" dirty="0">
-                <a:latin typeface="Palatino"/>
-                <a:cs typeface="Palatino"/>
-              </a:rPr>
-              <a:t>, 005 (2014) </a:t>
-            </a:r>
-          </a:p>
-        </p:txBody>
-      </p:sp>
     </p:spTree>
     <p:extLst>
       <p:ext uri="{BB962C8B-B14F-4D97-AF65-F5344CB8AC3E}">
